--- a/알고리즘/lecture11GraphAlgorithms.pptx
+++ b/알고리즘/lecture11GraphAlgorithms.pptx
@@ -26,7 +26,11 @@
     <p:sldId id="349" r:id="rId20"/>
     <p:sldId id="347" r:id="rId21"/>
     <p:sldId id="351" r:id="rId22"/>
-    <p:sldId id="306" r:id="rId23"/>
+    <p:sldId id="352" r:id="rId23"/>
+    <p:sldId id="354" r:id="rId24"/>
+    <p:sldId id="353" r:id="rId25"/>
+    <p:sldId id="355" r:id="rId26"/>
+    <p:sldId id="306" r:id="rId27"/>
   </p:sldIdLst>
   <p:sldSz cx="4610100" cy="3460750"/>
   <p:notesSz cx="4610100" cy="3460750"/>
@@ -283,7 +287,7 @@
           <a:p>
             <a:fld id="{1D8BD707-D9CF-40AE-B4C6-C98DA3205C09}" type="datetimeFigureOut">
               <a:rPr lang="en-US"/>
-              <a:t>11/4/19</a:t>
+              <a:t>11/7/2019</a:t>
             </a:fld>
             <a:endParaRPr lang="en-US"/>
           </a:p>
@@ -466,7 +470,7 @@
           <a:p>
             <a:fld id="{1D8BD707-D9CF-40AE-B4C6-C98DA3205C09}" type="datetimeFigureOut">
               <a:rPr lang="en-US"/>
-              <a:t>11/4/19</a:t>
+              <a:t>11/7/2019</a:t>
             </a:fld>
             <a:endParaRPr lang="en-US"/>
           </a:p>
@@ -686,7 +690,7 @@
           <a:p>
             <a:fld id="{1D8BD707-D9CF-40AE-B4C6-C98DA3205C09}" type="datetimeFigureOut">
               <a:rPr lang="en-US"/>
-              <a:t>11/4/19</a:t>
+              <a:t>11/7/2019</a:t>
             </a:fld>
             <a:endParaRPr lang="en-US"/>
           </a:p>
@@ -840,7 +844,7 @@
           <a:p>
             <a:fld id="{1D8BD707-D9CF-40AE-B4C6-C98DA3205C09}" type="datetimeFigureOut">
               <a:rPr lang="en-US"/>
-              <a:t>11/4/19</a:t>
+              <a:t>11/7/2019</a:t>
             </a:fld>
             <a:endParaRPr lang="en-US"/>
           </a:p>
@@ -965,7 +969,7 @@
           <a:p>
             <a:fld id="{1D8BD707-D9CF-40AE-B4C6-C98DA3205C09}" type="datetimeFigureOut">
               <a:rPr lang="en-US"/>
-              <a:t>11/4/19</a:t>
+              <a:t>11/7/2019</a:t>
             </a:fld>
             <a:endParaRPr lang="en-US"/>
           </a:p>
@@ -1196,7 +1200,7 @@
           <a:p>
             <a:fld id="{1D8BD707-D9CF-40AE-B4C6-C98DA3205C09}" type="datetimeFigureOut">
               <a:rPr lang="en-US"/>
-              <a:t>11/4/19</a:t>
+              <a:t>11/7/2019</a:t>
             </a:fld>
             <a:endParaRPr lang="en-US"/>
           </a:p>
@@ -1960,7 +1964,7 @@
         <p:spPr>
           <a:xfrm>
             <a:off x="809216" y="2956414"/>
-            <a:ext cx="591765" cy="276999"/>
+            <a:ext cx="704039" cy="276999"/>
           </a:xfrm>
           <a:prstGeom prst="rect">
             <a:avLst/>
@@ -1979,7 +1983,7 @@
                   <a:srgbClr val="00B050"/>
                 </a:solidFill>
               </a:rPr>
-              <a:t>visited</a:t>
+              <a:t>Finished</a:t>
             </a:r>
           </a:p>
         </p:txBody>
@@ -2338,8 +2342,8 @@
           </a:p>
         </p:txBody>
       </p:sp>
-      <mc:AlternateContent xmlns:mc="http://schemas.openxmlformats.org/markup-compatibility/2006">
-        <mc:Choice xmlns:a14="http://schemas.microsoft.com/office/drawing/2010/main" Requires="a14">
+      <mc:AlternateContent xmlns:mc="http://schemas.openxmlformats.org/markup-compatibility/2006" xmlns:a14="http://schemas.microsoft.com/office/drawing/2010/main">
+        <mc:Choice Requires="a14">
           <p:sp>
             <p:nvSpPr>
               <p:cNvPr id="3" name="Text Placeholder 2">
@@ -2489,7 +2493,7 @@
             </p:txBody>
           </p:sp>
         </mc:Choice>
-        <mc:Fallback>
+        <mc:Fallback xmlns="">
           <p:sp>
             <p:nvSpPr>
               <p:cNvPr id="3" name="Text Placeholder 2">
@@ -4480,374 +4484,6 @@
           </a:prstGeom>
         </p:spPr>
       </p:pic>
-      <p:sp>
-        <p:nvSpPr>
-          <p:cNvPr id="5" name="TextBox 4">
-            <a:extLst>
-              <a:ext uri="{FF2B5EF4-FFF2-40B4-BE49-F238E27FC236}">
-                <a16:creationId xmlns:a16="http://schemas.microsoft.com/office/drawing/2014/main" id="{AD33E3CB-7166-8440-9303-9A40FBB74DE4}"/>
-              </a:ext>
-            </a:extLst>
-          </p:cNvPr>
-          <p:cNvSpPr txBox="1"/>
-          <p:nvPr/>
-        </p:nvSpPr>
-        <p:spPr>
-          <a:xfrm>
-            <a:off x="3083795" y="2514023"/>
-            <a:ext cx="686406" cy="246221"/>
-          </a:xfrm>
-          <a:prstGeom prst="rect">
-            <a:avLst/>
-          </a:prstGeom>
-          <a:noFill/>
-        </p:spPr>
-        <p:txBody>
-          <a:bodyPr wrap="none" rtlCol="0">
-            <a:spAutoFit/>
-          </a:bodyPr>
-          <a:lstStyle/>
-          <a:p>
-            <a:r>
-              <a:rPr lang="en-US" sz="1000" dirty="0">
-                <a:solidFill>
-                  <a:srgbClr val="FF0000"/>
-                </a:solidFill>
-              </a:rPr>
-              <a:t>tree edge</a:t>
-            </a:r>
-          </a:p>
-        </p:txBody>
-      </p:sp>
-      <p:sp>
-        <p:nvSpPr>
-          <p:cNvPr id="6" name="TextBox 5">
-            <a:extLst>
-              <a:ext uri="{FF2B5EF4-FFF2-40B4-BE49-F238E27FC236}">
-                <a16:creationId xmlns:a16="http://schemas.microsoft.com/office/drawing/2014/main" id="{7E35B7FC-3E74-884B-B861-2B9C417D279E}"/>
-              </a:ext>
-            </a:extLst>
-          </p:cNvPr>
-          <p:cNvSpPr txBox="1"/>
-          <p:nvPr/>
-        </p:nvSpPr>
-        <p:spPr>
-          <a:xfrm>
-            <a:off x="3981450" y="2837848"/>
-            <a:ext cx="736099" cy="246221"/>
-          </a:xfrm>
-          <a:prstGeom prst="rect">
-            <a:avLst/>
-          </a:prstGeom>
-          <a:noFill/>
-        </p:spPr>
-        <p:txBody>
-          <a:bodyPr wrap="none" rtlCol="0">
-            <a:spAutoFit/>
-          </a:bodyPr>
-          <a:lstStyle/>
-          <a:p>
-            <a:r>
-              <a:rPr lang="en-US" sz="1000" dirty="0">
-                <a:solidFill>
-                  <a:srgbClr val="FF0000"/>
-                </a:solidFill>
-              </a:rPr>
-              <a:t>cross edge</a:t>
-            </a:r>
-          </a:p>
-        </p:txBody>
-      </p:sp>
-      <p:sp>
-        <p:nvSpPr>
-          <p:cNvPr id="7" name="TextBox 6">
-            <a:extLst>
-              <a:ext uri="{FF2B5EF4-FFF2-40B4-BE49-F238E27FC236}">
-                <a16:creationId xmlns:a16="http://schemas.microsoft.com/office/drawing/2014/main" id="{88FEA481-9D4B-2B47-A5BF-6E55323A21CA}"/>
-              </a:ext>
-            </a:extLst>
-          </p:cNvPr>
-          <p:cNvSpPr txBox="1"/>
-          <p:nvPr/>
-        </p:nvSpPr>
-        <p:spPr>
-          <a:xfrm>
-            <a:off x="3770201" y="3210017"/>
-            <a:ext cx="974947" cy="246221"/>
-          </a:xfrm>
-          <a:prstGeom prst="rect">
-            <a:avLst/>
-          </a:prstGeom>
-          <a:noFill/>
-        </p:spPr>
-        <p:txBody>
-          <a:bodyPr wrap="none" rtlCol="0">
-            <a:spAutoFit/>
-          </a:bodyPr>
-          <a:lstStyle/>
-          <a:p>
-            <a:r>
-              <a:rPr lang="en-US" sz="1000" dirty="0">
-                <a:solidFill>
-                  <a:srgbClr val="FF0000"/>
-                </a:solidFill>
-              </a:rPr>
-              <a:t>backward edge</a:t>
-            </a:r>
-          </a:p>
-        </p:txBody>
-      </p:sp>
-      <p:sp>
-        <p:nvSpPr>
-          <p:cNvPr id="8" name="TextBox 7">
-            <a:extLst>
-              <a:ext uri="{FF2B5EF4-FFF2-40B4-BE49-F238E27FC236}">
-                <a16:creationId xmlns:a16="http://schemas.microsoft.com/office/drawing/2014/main" id="{1F997965-564C-3C45-8C98-FAC3751FE768}"/>
-              </a:ext>
-            </a:extLst>
-          </p:cNvPr>
-          <p:cNvSpPr txBox="1"/>
-          <p:nvPr/>
-        </p:nvSpPr>
-        <p:spPr>
-          <a:xfrm>
-            <a:off x="2927195" y="3204341"/>
-            <a:ext cx="885179" cy="246221"/>
-          </a:xfrm>
-          <a:prstGeom prst="rect">
-            <a:avLst/>
-          </a:prstGeom>
-          <a:noFill/>
-        </p:spPr>
-        <p:txBody>
-          <a:bodyPr wrap="none" rtlCol="0">
-            <a:spAutoFit/>
-          </a:bodyPr>
-          <a:lstStyle/>
-          <a:p>
-            <a:r>
-              <a:rPr lang="en-US" sz="1000" dirty="0">
-                <a:solidFill>
-                  <a:srgbClr val="FF0000"/>
-                </a:solidFill>
-              </a:rPr>
-              <a:t>forward edge</a:t>
-            </a:r>
-          </a:p>
-        </p:txBody>
-      </p:sp>
-      <p:cxnSp>
-        <p:nvCxnSpPr>
-          <p:cNvPr id="10" name="Straight Arrow Connector 9">
-            <a:extLst>
-              <a:ext uri="{FF2B5EF4-FFF2-40B4-BE49-F238E27FC236}">
-                <a16:creationId xmlns:a16="http://schemas.microsoft.com/office/drawing/2014/main" id="{8901D9D1-9EA9-F548-898C-16F45B3BCF21}"/>
-              </a:ext>
-            </a:extLst>
-          </p:cNvPr>
-          <p:cNvCxnSpPr/>
-          <p:nvPr/>
-        </p:nvCxnSpPr>
-        <p:spPr>
-          <a:xfrm flipV="1">
-            <a:off x="3219450" y="2992242"/>
-            <a:ext cx="228600" cy="286838"/>
-          </a:xfrm>
-          <a:prstGeom prst="straightConnector1">
-            <a:avLst/>
-          </a:prstGeom>
-          <a:ln>
-            <a:solidFill>
-              <a:srgbClr val="FF0000"/>
-            </a:solidFill>
-            <a:tailEnd type="triangle"/>
-          </a:ln>
-        </p:spPr>
-        <p:style>
-          <a:lnRef idx="1">
-            <a:schemeClr val="accent1"/>
-          </a:lnRef>
-          <a:fillRef idx="0">
-            <a:schemeClr val="accent1"/>
-          </a:fillRef>
-          <a:effectRef idx="0">
-            <a:schemeClr val="accent1"/>
-          </a:effectRef>
-          <a:fontRef idx="minor">
-            <a:schemeClr val="tx1"/>
-          </a:fontRef>
-        </p:style>
-      </p:cxnSp>
-      <p:cxnSp>
-        <p:nvCxnSpPr>
-          <p:cNvPr id="12" name="Straight Arrow Connector 11">
-            <a:extLst>
-              <a:ext uri="{FF2B5EF4-FFF2-40B4-BE49-F238E27FC236}">
-                <a16:creationId xmlns:a16="http://schemas.microsoft.com/office/drawing/2014/main" id="{B8E2C95A-EBBA-5343-9ADB-157E1331AFB1}"/>
-              </a:ext>
-            </a:extLst>
-          </p:cNvPr>
-          <p:cNvCxnSpPr/>
-          <p:nvPr/>
-        </p:nvCxnSpPr>
-        <p:spPr>
-          <a:xfrm flipH="1" flipV="1">
-            <a:off x="3676650" y="2992242"/>
-            <a:ext cx="304800" cy="317739"/>
-          </a:xfrm>
-          <a:prstGeom prst="straightConnector1">
-            <a:avLst/>
-          </a:prstGeom>
-          <a:ln>
-            <a:solidFill>
-              <a:srgbClr val="FF0000"/>
-            </a:solidFill>
-            <a:tailEnd type="triangle"/>
-          </a:ln>
-        </p:spPr>
-        <p:style>
-          <a:lnRef idx="1">
-            <a:schemeClr val="accent1"/>
-          </a:lnRef>
-          <a:fillRef idx="0">
-            <a:schemeClr val="accent1"/>
-          </a:fillRef>
-          <a:effectRef idx="0">
-            <a:schemeClr val="accent1"/>
-          </a:effectRef>
-          <a:fontRef idx="minor">
-            <a:schemeClr val="tx1"/>
-          </a:fontRef>
-        </p:style>
-      </p:cxnSp>
-      <p:cxnSp>
-        <p:nvCxnSpPr>
-          <p:cNvPr id="14" name="Straight Arrow Connector 13">
-            <a:extLst>
-              <a:ext uri="{FF2B5EF4-FFF2-40B4-BE49-F238E27FC236}">
-                <a16:creationId xmlns:a16="http://schemas.microsoft.com/office/drawing/2014/main" id="{A9E0A6D2-0770-9046-8B27-8F207FC37A1F}"/>
-              </a:ext>
-            </a:extLst>
-          </p:cNvPr>
-          <p:cNvCxnSpPr>
-            <a:stCxn id="6" idx="1"/>
-          </p:cNvCxnSpPr>
-          <p:nvPr/>
-        </p:nvCxnSpPr>
-        <p:spPr>
-          <a:xfrm flipH="1" flipV="1">
-            <a:off x="3926674" y="2960958"/>
-            <a:ext cx="54776" cy="1"/>
-          </a:xfrm>
-          <a:prstGeom prst="straightConnector1">
-            <a:avLst/>
-          </a:prstGeom>
-          <a:ln>
-            <a:solidFill>
-              <a:srgbClr val="FF0000"/>
-            </a:solidFill>
-            <a:tailEnd type="triangle"/>
-          </a:ln>
-        </p:spPr>
-        <p:style>
-          <a:lnRef idx="1">
-            <a:schemeClr val="accent1"/>
-          </a:lnRef>
-          <a:fillRef idx="0">
-            <a:schemeClr val="accent1"/>
-          </a:fillRef>
-          <a:effectRef idx="0">
-            <a:schemeClr val="accent1"/>
-          </a:effectRef>
-          <a:fontRef idx="minor">
-            <a:schemeClr val="tx1"/>
-          </a:fontRef>
-        </p:style>
-      </p:cxnSp>
-      <p:cxnSp>
-        <p:nvCxnSpPr>
-          <p:cNvPr id="16" name="Straight Arrow Connector 15">
-            <a:extLst>
-              <a:ext uri="{FF2B5EF4-FFF2-40B4-BE49-F238E27FC236}">
-                <a16:creationId xmlns:a16="http://schemas.microsoft.com/office/drawing/2014/main" id="{9F04F358-7BC8-BD43-A6AF-E1FDDA8F42A7}"/>
-              </a:ext>
-            </a:extLst>
-          </p:cNvPr>
-          <p:cNvCxnSpPr/>
-          <p:nvPr/>
-        </p:nvCxnSpPr>
-        <p:spPr>
-          <a:xfrm>
-            <a:off x="3524250" y="2696296"/>
-            <a:ext cx="152400" cy="157194"/>
-          </a:xfrm>
-          <a:prstGeom prst="straightConnector1">
-            <a:avLst/>
-          </a:prstGeom>
-          <a:ln>
-            <a:solidFill>
-              <a:srgbClr val="FF0000"/>
-            </a:solidFill>
-            <a:tailEnd type="triangle"/>
-          </a:ln>
-        </p:spPr>
-        <p:style>
-          <a:lnRef idx="1">
-            <a:schemeClr val="accent1"/>
-          </a:lnRef>
-          <a:fillRef idx="0">
-            <a:schemeClr val="accent1"/>
-          </a:fillRef>
-          <a:effectRef idx="0">
-            <a:schemeClr val="accent1"/>
-          </a:effectRef>
-          <a:fontRef idx="minor">
-            <a:schemeClr val="tx1"/>
-          </a:fontRef>
-        </p:style>
-      </p:cxnSp>
-      <p:cxnSp>
-        <p:nvCxnSpPr>
-          <p:cNvPr id="18" name="Straight Arrow Connector 17">
-            <a:extLst>
-              <a:ext uri="{FF2B5EF4-FFF2-40B4-BE49-F238E27FC236}">
-                <a16:creationId xmlns:a16="http://schemas.microsoft.com/office/drawing/2014/main" id="{AC54758E-D391-FA49-9B33-C92A17F6CD36}"/>
-              </a:ext>
-            </a:extLst>
-          </p:cNvPr>
-          <p:cNvCxnSpPr/>
-          <p:nvPr/>
-        </p:nvCxnSpPr>
-        <p:spPr>
-          <a:xfrm flipV="1">
-            <a:off x="3981450" y="3178175"/>
-            <a:ext cx="172222" cy="131806"/>
-          </a:xfrm>
-          <a:prstGeom prst="straightConnector1">
-            <a:avLst/>
-          </a:prstGeom>
-          <a:ln>
-            <a:solidFill>
-              <a:srgbClr val="FF0000"/>
-            </a:solidFill>
-            <a:tailEnd type="triangle"/>
-          </a:ln>
-        </p:spPr>
-        <p:style>
-          <a:lnRef idx="1">
-            <a:schemeClr val="accent1"/>
-          </a:lnRef>
-          <a:fillRef idx="0">
-            <a:schemeClr val="accent1"/>
-          </a:fillRef>
-          <a:effectRef idx="0">
-            <a:schemeClr val="accent1"/>
-          </a:effectRef>
-          <a:fontRef idx="minor">
-            <a:schemeClr val="tx1"/>
-          </a:fontRef>
-        </p:style>
-      </p:cxnSp>
     </p:spTree>
     <p:extLst>
       <p:ext uri="{BB962C8B-B14F-4D97-AF65-F5344CB8AC3E}">
@@ -5089,6 +4725,207 @@
               <a:t>.</a:t>
             </a:r>
             <a:endParaRPr lang="en-US" sz="1200" dirty="0"/>
+          </a:p>
+        </p:txBody>
+      </p:sp>
+      <p:sp>
+        <p:nvSpPr>
+          <p:cNvPr id="8" name="TextBox 7">
+            <a:extLst>
+              <a:ext uri="{FF2B5EF4-FFF2-40B4-BE49-F238E27FC236}">
+                <a16:creationId xmlns:a16="http://schemas.microsoft.com/office/drawing/2014/main" id="{BD5C8939-CC74-A94F-8B25-78A261BCF9F8}"/>
+              </a:ext>
+            </a:extLst>
+          </p:cNvPr>
+          <p:cNvSpPr txBox="1"/>
+          <p:nvPr/>
+        </p:nvSpPr>
+        <p:spPr>
+          <a:xfrm>
+            <a:off x="1123307" y="2592922"/>
+            <a:ext cx="885179" cy="246221"/>
+          </a:xfrm>
+          <a:prstGeom prst="rect">
+            <a:avLst/>
+          </a:prstGeom>
+          <a:noFill/>
+        </p:spPr>
+        <p:txBody>
+          <a:bodyPr wrap="none" rtlCol="0">
+            <a:spAutoFit/>
+          </a:bodyPr>
+          <a:lstStyle/>
+          <a:p>
+            <a:r>
+              <a:rPr lang="en-US" sz="1000" dirty="0">
+                <a:solidFill>
+                  <a:srgbClr val="FF0000"/>
+                </a:solidFill>
+              </a:rPr>
+              <a:t>forward edge</a:t>
+            </a:r>
+          </a:p>
+        </p:txBody>
+      </p:sp>
+      <p:sp>
+        <p:nvSpPr>
+          <p:cNvPr id="11" name="TextBox 10">
+            <a:extLst>
+              <a:ext uri="{FF2B5EF4-FFF2-40B4-BE49-F238E27FC236}">
+                <a16:creationId xmlns:a16="http://schemas.microsoft.com/office/drawing/2014/main" id="{4357FF3C-5E40-8246-853B-34A6C0DB5069}"/>
+              </a:ext>
+            </a:extLst>
+          </p:cNvPr>
+          <p:cNvSpPr txBox="1"/>
+          <p:nvPr/>
+        </p:nvSpPr>
+        <p:spPr>
+          <a:xfrm>
+            <a:off x="1135611" y="2194070"/>
+            <a:ext cx="686406" cy="246221"/>
+          </a:xfrm>
+          <a:prstGeom prst="rect">
+            <a:avLst/>
+          </a:prstGeom>
+          <a:noFill/>
+        </p:spPr>
+        <p:txBody>
+          <a:bodyPr wrap="none" rtlCol="0">
+            <a:spAutoFit/>
+          </a:bodyPr>
+          <a:lstStyle/>
+          <a:p>
+            <a:r>
+              <a:rPr lang="en-US" sz="1000" dirty="0">
+                <a:solidFill>
+                  <a:srgbClr val="FF0000"/>
+                </a:solidFill>
+              </a:rPr>
+              <a:t>tree edge</a:t>
+            </a:r>
+          </a:p>
+        </p:txBody>
+      </p:sp>
+      <p:sp>
+        <p:nvSpPr>
+          <p:cNvPr id="12" name="TextBox 11">
+            <a:extLst>
+              <a:ext uri="{FF2B5EF4-FFF2-40B4-BE49-F238E27FC236}">
+                <a16:creationId xmlns:a16="http://schemas.microsoft.com/office/drawing/2014/main" id="{7575A185-793A-C147-9CD4-41D83876AEA6}"/>
+              </a:ext>
+            </a:extLst>
+          </p:cNvPr>
+          <p:cNvSpPr txBox="1"/>
+          <p:nvPr/>
+        </p:nvSpPr>
+        <p:spPr>
+          <a:xfrm>
+            <a:off x="525386" y="2938621"/>
+            <a:ext cx="736099" cy="246221"/>
+          </a:xfrm>
+          <a:prstGeom prst="rect">
+            <a:avLst/>
+          </a:prstGeom>
+          <a:noFill/>
+        </p:spPr>
+        <p:txBody>
+          <a:bodyPr wrap="none" rtlCol="0">
+            <a:spAutoFit/>
+          </a:bodyPr>
+          <a:lstStyle/>
+          <a:p>
+            <a:r>
+              <a:rPr lang="en-US" sz="1000" dirty="0">
+                <a:solidFill>
+                  <a:srgbClr val="FF0000"/>
+                </a:solidFill>
+              </a:rPr>
+              <a:t>cross edge</a:t>
+            </a:r>
+          </a:p>
+        </p:txBody>
+      </p:sp>
+      <p:cxnSp>
+        <p:nvCxnSpPr>
+          <p:cNvPr id="13" name="Straight Arrow Connector 12">
+            <a:extLst>
+              <a:ext uri="{FF2B5EF4-FFF2-40B4-BE49-F238E27FC236}">
+                <a16:creationId xmlns:a16="http://schemas.microsoft.com/office/drawing/2014/main" id="{5EDCFD29-B756-0642-93F7-10DE47A4F2D9}"/>
+              </a:ext>
+            </a:extLst>
+          </p:cNvPr>
+          <p:cNvCxnSpPr>
+            <a:cxnSpLocks/>
+            <a:stCxn id="8" idx="1"/>
+          </p:cNvCxnSpPr>
+          <p:nvPr/>
+        </p:nvCxnSpPr>
+        <p:spPr>
+          <a:xfrm flipH="1" flipV="1">
+            <a:off x="893435" y="2523101"/>
+            <a:ext cx="229872" cy="192932"/>
+          </a:xfrm>
+          <a:prstGeom prst="straightConnector1">
+            <a:avLst/>
+          </a:prstGeom>
+          <a:ln>
+            <a:solidFill>
+              <a:srgbClr val="FF0000"/>
+            </a:solidFill>
+            <a:tailEnd type="triangle"/>
+          </a:ln>
+        </p:spPr>
+        <p:style>
+          <a:lnRef idx="1">
+            <a:schemeClr val="accent1"/>
+          </a:lnRef>
+          <a:fillRef idx="0">
+            <a:schemeClr val="accent1"/>
+          </a:fillRef>
+          <a:effectRef idx="0">
+            <a:schemeClr val="accent1"/>
+          </a:effectRef>
+          <a:fontRef idx="minor">
+            <a:schemeClr val="tx1"/>
+          </a:fontRef>
+        </p:style>
+      </p:cxnSp>
+      <p:sp>
+        <p:nvSpPr>
+          <p:cNvPr id="14" name="TextBox 13">
+            <a:extLst>
+              <a:ext uri="{FF2B5EF4-FFF2-40B4-BE49-F238E27FC236}">
+                <a16:creationId xmlns:a16="http://schemas.microsoft.com/office/drawing/2014/main" id="{B5A8591F-D25F-4442-AF88-64ACD2F34359}"/>
+              </a:ext>
+            </a:extLst>
+          </p:cNvPr>
+          <p:cNvSpPr txBox="1"/>
+          <p:nvPr/>
+        </p:nvSpPr>
+        <p:spPr>
+          <a:xfrm>
+            <a:off x="-58996" y="2288467"/>
+            <a:ext cx="974947" cy="246221"/>
+          </a:xfrm>
+          <a:prstGeom prst="rect">
+            <a:avLst/>
+          </a:prstGeom>
+          <a:noFill/>
+        </p:spPr>
+        <p:txBody>
+          <a:bodyPr wrap="none" rtlCol="0">
+            <a:spAutoFit/>
+          </a:bodyPr>
+          <a:lstStyle/>
+          <a:p>
+            <a:r>
+              <a:rPr lang="en-US" sz="1000" dirty="0">
+                <a:solidFill>
+                  <a:srgbClr val="FF0000"/>
+                </a:solidFill>
+              </a:rPr>
+              <a:t>backward edge</a:t>
+            </a:r>
           </a:p>
         </p:txBody>
       </p:sp>
@@ -9241,31 +9078,6 @@
           <a:chExt cx="0" cy="0"/>
         </a:xfrm>
       </p:grpSpPr>
-      <p:sp>
-        <p:nvSpPr>
-          <p:cNvPr id="3" name="Text Placeholder 2">
-            <a:extLst>
-              <a:ext uri="{FF2B5EF4-FFF2-40B4-BE49-F238E27FC236}">
-                <a16:creationId xmlns:a16="http://schemas.microsoft.com/office/drawing/2014/main" id="{42D4EF39-9E72-CE40-9335-C0C40A098040}"/>
-              </a:ext>
-            </a:extLst>
-          </p:cNvPr>
-          <p:cNvSpPr>
-            <a:spLocks noGrp="1"/>
-          </p:cNvSpPr>
-          <p:nvPr>
-            <p:ph type="body" idx="1"/>
-          </p:nvPr>
-        </p:nvSpPr>
-        <p:spPr/>
-        <p:txBody>
-          <a:bodyPr/>
-          <a:lstStyle/>
-          <a:p>
-            <a:endParaRPr lang="en-US"/>
-          </a:p>
-        </p:txBody>
-      </p:sp>
       <p:pic>
         <p:nvPicPr>
           <p:cNvPr id="5" name="Picture 4" descr="A close up of a watch&#10;&#10;Description automatically generated">
@@ -9294,7 +9106,7 @@
         </p:blipFill>
         <p:spPr>
           <a:xfrm>
-            <a:off x="0" y="1698882"/>
+            <a:off x="147006" y="1577975"/>
             <a:ext cx="2533650" cy="878174"/>
           </a:xfrm>
           <a:prstGeom prst="rect">
@@ -9366,7 +9178,7 @@
         </p:blipFill>
         <p:spPr>
           <a:xfrm>
-            <a:off x="0" y="2548945"/>
+            <a:off x="147006" y="2428038"/>
             <a:ext cx="2533650" cy="902314"/>
           </a:xfrm>
           <a:prstGeom prst="rect">
@@ -9424,7 +9236,7 @@
         </p:nvSpPr>
         <p:spPr>
           <a:xfrm>
-            <a:off x="-15979" y="1705697"/>
+            <a:off x="131027" y="1584790"/>
             <a:ext cx="330540" cy="369332"/>
           </a:xfrm>
           <a:prstGeom prst="rect">
@@ -9459,7 +9271,7 @@
         </p:nvSpPr>
         <p:spPr>
           <a:xfrm>
-            <a:off x="0" y="3060316"/>
+            <a:off x="147006" y="2939409"/>
             <a:ext cx="404726" cy="369332"/>
           </a:xfrm>
           <a:prstGeom prst="rect">
@@ -9482,31 +9294,6 @@
               <a:t>T</a:t>
             </a:r>
             <a:endParaRPr lang="en-US" dirty="0"/>
-          </a:p>
-        </p:txBody>
-      </p:sp>
-      <p:sp>
-        <p:nvSpPr>
-          <p:cNvPr id="10" name="Title 9">
-            <a:extLst>
-              <a:ext uri="{FF2B5EF4-FFF2-40B4-BE49-F238E27FC236}">
-                <a16:creationId xmlns:a16="http://schemas.microsoft.com/office/drawing/2014/main" id="{9A1CE4BB-FEC5-D444-8911-E7B783BA115D}"/>
-              </a:ext>
-            </a:extLst>
-          </p:cNvPr>
-          <p:cNvSpPr>
-            <a:spLocks noGrp="1"/>
-          </p:cNvSpPr>
-          <p:nvPr>
-            <p:ph type="title"/>
-          </p:nvPr>
-        </p:nvSpPr>
-        <p:spPr/>
-        <p:txBody>
-          <a:bodyPr/>
-          <a:lstStyle/>
-          <a:p>
-            <a:endParaRPr lang="en-US"/>
           </a:p>
         </p:txBody>
       </p:sp>
@@ -9524,6 +9311,2622 @@
 </file>
 
 <file path=ppt/slides/slide22.xml><?xml version="1.0" encoding="utf-8"?>
+<p:sld xmlns:a="http://schemas.openxmlformats.org/drawingml/2006/main" xmlns:r="http://schemas.openxmlformats.org/officeDocument/2006/relationships" xmlns:p="http://schemas.openxmlformats.org/presentationml/2006/main">
+  <p:cSld>
+    <p:spTree>
+      <p:nvGrpSpPr>
+        <p:cNvPr id="1" name=""/>
+        <p:cNvGrpSpPr/>
+        <p:nvPr/>
+      </p:nvGrpSpPr>
+      <p:grpSpPr>
+        <a:xfrm>
+          <a:off x="0" y="0"/>
+          <a:ext cx="0" cy="0"/>
+          <a:chOff x="0" y="0"/>
+          <a:chExt cx="0" cy="0"/>
+        </a:xfrm>
+      </p:grpSpPr>
+      <p:sp>
+        <p:nvSpPr>
+          <p:cNvPr id="2" name="Title 1">
+            <a:extLst>
+              <a:ext uri="{FF2B5EF4-FFF2-40B4-BE49-F238E27FC236}">
+                <a16:creationId xmlns:a16="http://schemas.microsoft.com/office/drawing/2014/main" id="{C22CAA00-CAC5-BC40-9342-6D8CB9315524}"/>
+              </a:ext>
+            </a:extLst>
+          </p:cNvPr>
+          <p:cNvSpPr>
+            <a:spLocks noGrp="1"/>
+          </p:cNvSpPr>
+          <p:nvPr>
+            <p:ph type="title"/>
+          </p:nvPr>
+        </p:nvSpPr>
+        <p:spPr>
+          <a:xfrm>
+            <a:off x="456426" y="206375"/>
+            <a:ext cx="1478305" cy="184666"/>
+          </a:xfrm>
+        </p:spPr>
+        <p:txBody>
+          <a:bodyPr/>
+          <a:lstStyle/>
+          <a:p>
+            <a:r>
+              <a:rPr lang="en-US" dirty="0"/>
+              <a:t>1. DFS(G)</a:t>
+            </a:r>
+          </a:p>
+        </p:txBody>
+      </p:sp>
+      <p:pic>
+        <p:nvPicPr>
+          <p:cNvPr id="4" name="Picture 3" descr="A close up of a watch&#10;&#10;Description automatically generated">
+            <a:extLst>
+              <a:ext uri="{FF2B5EF4-FFF2-40B4-BE49-F238E27FC236}">
+                <a16:creationId xmlns:a16="http://schemas.microsoft.com/office/drawing/2014/main" id="{BDC87B4C-4279-0E4D-8AFE-81AC32FB3FD8}"/>
+              </a:ext>
+            </a:extLst>
+          </p:cNvPr>
+          <p:cNvPicPr>
+            <a:picLocks noChangeAspect="1"/>
+          </p:cNvPicPr>
+          <p:nvPr/>
+        </p:nvPicPr>
+        <p:blipFill>
+          <a:blip r:embed="rId2">
+            <a:extLst>
+              <a:ext uri="{28A0092B-C50C-407E-A947-70E740481C1C}">
+                <a14:useLocalDpi xmlns:a14="http://schemas.microsoft.com/office/drawing/2010/main" val="0"/>
+              </a:ext>
+            </a:extLst>
+          </a:blip>
+          <a:stretch>
+            <a:fillRect/>
+          </a:stretch>
+        </p:blipFill>
+        <p:spPr>
+          <a:xfrm>
+            <a:off x="552450" y="511175"/>
+            <a:ext cx="2533650" cy="878174"/>
+          </a:xfrm>
+          <a:prstGeom prst="rect">
+            <a:avLst/>
+          </a:prstGeom>
+        </p:spPr>
+      </p:pic>
+      <p:sp>
+        <p:nvSpPr>
+          <p:cNvPr id="5" name="Oval 4">
+            <a:extLst>
+              <a:ext uri="{FF2B5EF4-FFF2-40B4-BE49-F238E27FC236}">
+                <a16:creationId xmlns:a16="http://schemas.microsoft.com/office/drawing/2014/main" id="{AC555F61-8017-C943-8F3F-816D0BAAB651}"/>
+              </a:ext>
+            </a:extLst>
+          </p:cNvPr>
+          <p:cNvSpPr/>
+          <p:nvPr/>
+        </p:nvSpPr>
+        <p:spPr>
+          <a:xfrm>
+            <a:off x="2914650" y="1509483"/>
+            <a:ext cx="228600" cy="220892"/>
+          </a:xfrm>
+          <a:prstGeom prst="ellipse">
+            <a:avLst/>
+          </a:prstGeom>
+        </p:spPr>
+        <p:style>
+          <a:lnRef idx="2">
+            <a:schemeClr val="accent1">
+              <a:shade val="50000"/>
+            </a:schemeClr>
+          </a:lnRef>
+          <a:fillRef idx="1">
+            <a:schemeClr val="accent1"/>
+          </a:fillRef>
+          <a:effectRef idx="0">
+            <a:schemeClr val="accent1"/>
+          </a:effectRef>
+          <a:fontRef idx="minor">
+            <a:schemeClr val="lt1"/>
+          </a:fontRef>
+        </p:style>
+        <p:txBody>
+          <a:bodyPr rtlCol="0" anchor="ctr"/>
+          <a:lstStyle/>
+          <a:p>
+            <a:pPr algn="ctr"/>
+            <a:r>
+              <a:rPr lang="en-US" dirty="0"/>
+              <a:t>c</a:t>
+            </a:r>
+          </a:p>
+        </p:txBody>
+      </p:sp>
+      <p:sp>
+        <p:nvSpPr>
+          <p:cNvPr id="6" name="Oval 5">
+            <a:extLst>
+              <a:ext uri="{FF2B5EF4-FFF2-40B4-BE49-F238E27FC236}">
+                <a16:creationId xmlns:a16="http://schemas.microsoft.com/office/drawing/2014/main" id="{238D1061-A3F4-A243-B5B3-99F59040F341}"/>
+              </a:ext>
+            </a:extLst>
+          </p:cNvPr>
+          <p:cNvSpPr/>
+          <p:nvPr/>
+        </p:nvSpPr>
+        <p:spPr>
+          <a:xfrm>
+            <a:off x="1704975" y="1509483"/>
+            <a:ext cx="228600" cy="220892"/>
+          </a:xfrm>
+          <a:prstGeom prst="ellipse">
+            <a:avLst/>
+          </a:prstGeom>
+        </p:spPr>
+        <p:style>
+          <a:lnRef idx="2">
+            <a:schemeClr val="accent1">
+              <a:shade val="50000"/>
+            </a:schemeClr>
+          </a:lnRef>
+          <a:fillRef idx="1">
+            <a:schemeClr val="accent1"/>
+          </a:fillRef>
+          <a:effectRef idx="0">
+            <a:schemeClr val="accent1"/>
+          </a:effectRef>
+          <a:fontRef idx="minor">
+            <a:schemeClr val="lt1"/>
+          </a:fontRef>
+        </p:style>
+        <p:txBody>
+          <a:bodyPr rtlCol="0" anchor="ctr"/>
+          <a:lstStyle/>
+          <a:p>
+            <a:pPr algn="ctr"/>
+            <a:r>
+              <a:rPr lang="en-US" dirty="0"/>
+              <a:t>b</a:t>
+            </a:r>
+          </a:p>
+        </p:txBody>
+      </p:sp>
+      <p:sp>
+        <p:nvSpPr>
+          <p:cNvPr id="7" name="Oval 6">
+            <a:extLst>
+              <a:ext uri="{FF2B5EF4-FFF2-40B4-BE49-F238E27FC236}">
+                <a16:creationId xmlns:a16="http://schemas.microsoft.com/office/drawing/2014/main" id="{B98CCDBC-8146-644E-AD3D-93F7D605AAD4}"/>
+              </a:ext>
+            </a:extLst>
+          </p:cNvPr>
+          <p:cNvSpPr/>
+          <p:nvPr/>
+        </p:nvSpPr>
+        <p:spPr>
+          <a:xfrm>
+            <a:off x="3219450" y="1814283"/>
+            <a:ext cx="228600" cy="220892"/>
+          </a:xfrm>
+          <a:prstGeom prst="ellipse">
+            <a:avLst/>
+          </a:prstGeom>
+        </p:spPr>
+        <p:style>
+          <a:lnRef idx="2">
+            <a:schemeClr val="accent1">
+              <a:shade val="50000"/>
+            </a:schemeClr>
+          </a:lnRef>
+          <a:fillRef idx="1">
+            <a:schemeClr val="accent1"/>
+          </a:fillRef>
+          <a:effectRef idx="0">
+            <a:schemeClr val="accent1"/>
+          </a:effectRef>
+          <a:fontRef idx="minor">
+            <a:schemeClr val="lt1"/>
+          </a:fontRef>
+        </p:style>
+        <p:txBody>
+          <a:bodyPr rtlCol="0" anchor="ctr"/>
+          <a:lstStyle/>
+          <a:p>
+            <a:pPr algn="ctr"/>
+            <a:r>
+              <a:rPr lang="en-US" dirty="0"/>
+              <a:t>d</a:t>
+            </a:r>
+          </a:p>
+        </p:txBody>
+      </p:sp>
+      <p:sp>
+        <p:nvSpPr>
+          <p:cNvPr id="9" name="Oval 8">
+            <a:extLst>
+              <a:ext uri="{FF2B5EF4-FFF2-40B4-BE49-F238E27FC236}">
+                <a16:creationId xmlns:a16="http://schemas.microsoft.com/office/drawing/2014/main" id="{D108A209-FC05-DD4D-95A4-20DEA5EE73F0}"/>
+              </a:ext>
+            </a:extLst>
+          </p:cNvPr>
+          <p:cNvSpPr/>
+          <p:nvPr/>
+        </p:nvSpPr>
+        <p:spPr>
+          <a:xfrm>
+            <a:off x="2609850" y="1823212"/>
+            <a:ext cx="228600" cy="220892"/>
+          </a:xfrm>
+          <a:prstGeom prst="ellipse">
+            <a:avLst/>
+          </a:prstGeom>
+        </p:spPr>
+        <p:style>
+          <a:lnRef idx="2">
+            <a:schemeClr val="accent1">
+              <a:shade val="50000"/>
+            </a:schemeClr>
+          </a:lnRef>
+          <a:fillRef idx="1">
+            <a:schemeClr val="accent1"/>
+          </a:fillRef>
+          <a:effectRef idx="0">
+            <a:schemeClr val="accent1"/>
+          </a:effectRef>
+          <a:fontRef idx="minor">
+            <a:schemeClr val="lt1"/>
+          </a:fontRef>
+        </p:style>
+        <p:txBody>
+          <a:bodyPr rtlCol="0" anchor="ctr"/>
+          <a:lstStyle/>
+          <a:p>
+            <a:pPr algn="ctr"/>
+            <a:r>
+              <a:rPr lang="en-US" dirty="0"/>
+              <a:t>g</a:t>
+            </a:r>
+          </a:p>
+        </p:txBody>
+      </p:sp>
+      <p:sp>
+        <p:nvSpPr>
+          <p:cNvPr id="10" name="Oval 9">
+            <a:extLst>
+              <a:ext uri="{FF2B5EF4-FFF2-40B4-BE49-F238E27FC236}">
+                <a16:creationId xmlns:a16="http://schemas.microsoft.com/office/drawing/2014/main" id="{40ABF4DC-EEC3-714E-A300-5B3525EFA656}"/>
+              </a:ext>
+            </a:extLst>
+          </p:cNvPr>
+          <p:cNvSpPr/>
+          <p:nvPr/>
+        </p:nvSpPr>
+        <p:spPr>
+          <a:xfrm>
+            <a:off x="2269945" y="2311309"/>
+            <a:ext cx="228600" cy="220892"/>
+          </a:xfrm>
+          <a:prstGeom prst="ellipse">
+            <a:avLst/>
+          </a:prstGeom>
+        </p:spPr>
+        <p:style>
+          <a:lnRef idx="2">
+            <a:schemeClr val="accent1">
+              <a:shade val="50000"/>
+            </a:schemeClr>
+          </a:lnRef>
+          <a:fillRef idx="1">
+            <a:schemeClr val="accent1"/>
+          </a:fillRef>
+          <a:effectRef idx="0">
+            <a:schemeClr val="accent1"/>
+          </a:effectRef>
+          <a:fontRef idx="minor">
+            <a:schemeClr val="lt1"/>
+          </a:fontRef>
+        </p:style>
+        <p:txBody>
+          <a:bodyPr rtlCol="0" anchor="ctr"/>
+          <a:lstStyle/>
+          <a:p>
+            <a:pPr algn="ctr"/>
+            <a:r>
+              <a:rPr lang="en-US" dirty="0"/>
+              <a:t>f</a:t>
+            </a:r>
+          </a:p>
+        </p:txBody>
+      </p:sp>
+      <p:sp>
+        <p:nvSpPr>
+          <p:cNvPr id="11" name="Oval 10">
+            <a:extLst>
+              <a:ext uri="{FF2B5EF4-FFF2-40B4-BE49-F238E27FC236}">
+                <a16:creationId xmlns:a16="http://schemas.microsoft.com/office/drawing/2014/main" id="{FF9B6372-3516-BC40-9B03-FC3439601254}"/>
+              </a:ext>
+            </a:extLst>
+          </p:cNvPr>
+          <p:cNvSpPr/>
+          <p:nvPr/>
+        </p:nvSpPr>
+        <p:spPr>
+          <a:xfrm>
+            <a:off x="2800350" y="2311309"/>
+            <a:ext cx="228600" cy="220892"/>
+          </a:xfrm>
+          <a:prstGeom prst="ellipse">
+            <a:avLst/>
+          </a:prstGeom>
+        </p:spPr>
+        <p:style>
+          <a:lnRef idx="2">
+            <a:schemeClr val="accent1">
+              <a:shade val="50000"/>
+            </a:schemeClr>
+          </a:lnRef>
+          <a:fillRef idx="1">
+            <a:schemeClr val="accent1"/>
+          </a:fillRef>
+          <a:effectRef idx="0">
+            <a:schemeClr val="accent1"/>
+          </a:effectRef>
+          <a:fontRef idx="minor">
+            <a:schemeClr val="lt1"/>
+          </a:fontRef>
+        </p:style>
+        <p:txBody>
+          <a:bodyPr rtlCol="0" anchor="ctr"/>
+          <a:lstStyle/>
+          <a:p>
+            <a:pPr algn="ctr"/>
+            <a:r>
+              <a:rPr lang="en-US" dirty="0"/>
+              <a:t>h</a:t>
+            </a:r>
+          </a:p>
+        </p:txBody>
+      </p:sp>
+      <p:sp>
+        <p:nvSpPr>
+          <p:cNvPr id="13" name="Oval 12">
+            <a:extLst>
+              <a:ext uri="{FF2B5EF4-FFF2-40B4-BE49-F238E27FC236}">
+                <a16:creationId xmlns:a16="http://schemas.microsoft.com/office/drawing/2014/main" id="{A1F63F73-BCBA-EA4D-89DC-80667ECDA4EB}"/>
+              </a:ext>
+            </a:extLst>
+          </p:cNvPr>
+          <p:cNvSpPr/>
+          <p:nvPr/>
+        </p:nvSpPr>
+        <p:spPr>
+          <a:xfrm>
+            <a:off x="1134586" y="2311309"/>
+            <a:ext cx="228600" cy="220892"/>
+          </a:xfrm>
+          <a:prstGeom prst="ellipse">
+            <a:avLst/>
+          </a:prstGeom>
+        </p:spPr>
+        <p:style>
+          <a:lnRef idx="2">
+            <a:schemeClr val="accent1">
+              <a:shade val="50000"/>
+            </a:schemeClr>
+          </a:lnRef>
+          <a:fillRef idx="1">
+            <a:schemeClr val="accent1"/>
+          </a:fillRef>
+          <a:effectRef idx="0">
+            <a:schemeClr val="accent1"/>
+          </a:effectRef>
+          <a:fontRef idx="minor">
+            <a:schemeClr val="lt1"/>
+          </a:fontRef>
+        </p:style>
+        <p:txBody>
+          <a:bodyPr rtlCol="0" anchor="ctr"/>
+          <a:lstStyle/>
+          <a:p>
+            <a:pPr algn="ctr"/>
+            <a:r>
+              <a:rPr lang="en-US" dirty="0"/>
+              <a:t>a</a:t>
+            </a:r>
+          </a:p>
+        </p:txBody>
+      </p:sp>
+      <p:sp>
+        <p:nvSpPr>
+          <p:cNvPr id="14" name="Oval 13">
+            <a:extLst>
+              <a:ext uri="{FF2B5EF4-FFF2-40B4-BE49-F238E27FC236}">
+                <a16:creationId xmlns:a16="http://schemas.microsoft.com/office/drawing/2014/main" id="{A6316E4D-66D1-934E-BFC1-34172B0CA571}"/>
+              </a:ext>
+            </a:extLst>
+          </p:cNvPr>
+          <p:cNvSpPr/>
+          <p:nvPr/>
+        </p:nvSpPr>
+        <p:spPr>
+          <a:xfrm>
+            <a:off x="1418838" y="1891222"/>
+            <a:ext cx="228600" cy="220892"/>
+          </a:xfrm>
+          <a:prstGeom prst="ellipse">
+            <a:avLst/>
+          </a:prstGeom>
+        </p:spPr>
+        <p:style>
+          <a:lnRef idx="2">
+            <a:schemeClr val="accent1">
+              <a:shade val="50000"/>
+            </a:schemeClr>
+          </a:lnRef>
+          <a:fillRef idx="1">
+            <a:schemeClr val="accent1"/>
+          </a:fillRef>
+          <a:effectRef idx="0">
+            <a:schemeClr val="accent1"/>
+          </a:effectRef>
+          <a:fontRef idx="minor">
+            <a:schemeClr val="lt1"/>
+          </a:fontRef>
+        </p:style>
+        <p:txBody>
+          <a:bodyPr rtlCol="0" anchor="ctr"/>
+          <a:lstStyle/>
+          <a:p>
+            <a:pPr algn="ctr"/>
+            <a:r>
+              <a:rPr lang="en-US" dirty="0"/>
+              <a:t>e</a:t>
+            </a:r>
+          </a:p>
+        </p:txBody>
+      </p:sp>
+      <p:cxnSp>
+        <p:nvCxnSpPr>
+          <p:cNvPr id="16" name="Straight Arrow Connector 15">
+            <a:extLst>
+              <a:ext uri="{FF2B5EF4-FFF2-40B4-BE49-F238E27FC236}">
+                <a16:creationId xmlns:a16="http://schemas.microsoft.com/office/drawing/2014/main" id="{4D7F1C56-FB42-CC45-AB85-AE437672F3A0}"/>
+              </a:ext>
+            </a:extLst>
+          </p:cNvPr>
+          <p:cNvCxnSpPr>
+            <a:cxnSpLocks/>
+            <a:endCxn id="14" idx="7"/>
+          </p:cNvCxnSpPr>
+          <p:nvPr/>
+        </p:nvCxnSpPr>
+        <p:spPr>
+          <a:xfrm flipH="1">
+            <a:off x="1613960" y="1730375"/>
+            <a:ext cx="122610" cy="193196"/>
+          </a:xfrm>
+          <a:prstGeom prst="straightConnector1">
+            <a:avLst/>
+          </a:prstGeom>
+          <a:ln>
+            <a:tailEnd type="triangle"/>
+          </a:ln>
+        </p:spPr>
+        <p:style>
+          <a:lnRef idx="1">
+            <a:schemeClr val="accent1"/>
+          </a:lnRef>
+          <a:fillRef idx="0">
+            <a:schemeClr val="accent1"/>
+          </a:fillRef>
+          <a:effectRef idx="0">
+            <a:schemeClr val="accent1"/>
+          </a:effectRef>
+          <a:fontRef idx="minor">
+            <a:schemeClr val="tx1"/>
+          </a:fontRef>
+        </p:style>
+      </p:cxnSp>
+      <p:cxnSp>
+        <p:nvCxnSpPr>
+          <p:cNvPr id="19" name="Straight Arrow Connector 18">
+            <a:extLst>
+              <a:ext uri="{FF2B5EF4-FFF2-40B4-BE49-F238E27FC236}">
+                <a16:creationId xmlns:a16="http://schemas.microsoft.com/office/drawing/2014/main" id="{F8DF2D5C-795E-8043-97E1-176EA9DF5589}"/>
+              </a:ext>
+            </a:extLst>
+          </p:cNvPr>
+          <p:cNvCxnSpPr>
+            <a:endCxn id="13" idx="7"/>
+          </p:cNvCxnSpPr>
+          <p:nvPr/>
+        </p:nvCxnSpPr>
+        <p:spPr>
+          <a:xfrm flipH="1">
+            <a:off x="1329708" y="2071402"/>
+            <a:ext cx="89130" cy="272256"/>
+          </a:xfrm>
+          <a:prstGeom prst="straightConnector1">
+            <a:avLst/>
+          </a:prstGeom>
+          <a:ln>
+            <a:tailEnd type="triangle"/>
+          </a:ln>
+        </p:spPr>
+        <p:style>
+          <a:lnRef idx="1">
+            <a:schemeClr val="accent1"/>
+          </a:lnRef>
+          <a:fillRef idx="0">
+            <a:schemeClr val="accent1"/>
+          </a:fillRef>
+          <a:effectRef idx="0">
+            <a:schemeClr val="accent1"/>
+          </a:effectRef>
+          <a:fontRef idx="minor">
+            <a:schemeClr val="tx1"/>
+          </a:fontRef>
+        </p:style>
+      </p:cxnSp>
+      <p:cxnSp>
+        <p:nvCxnSpPr>
+          <p:cNvPr id="21" name="Straight Arrow Connector 20">
+            <a:extLst>
+              <a:ext uri="{FF2B5EF4-FFF2-40B4-BE49-F238E27FC236}">
+                <a16:creationId xmlns:a16="http://schemas.microsoft.com/office/drawing/2014/main" id="{A63B3A6F-AE79-4C43-A9B0-4423D46EBA94}"/>
+              </a:ext>
+            </a:extLst>
+          </p:cNvPr>
+          <p:cNvCxnSpPr>
+            <a:stCxn id="5" idx="3"/>
+            <a:endCxn id="9" idx="7"/>
+          </p:cNvCxnSpPr>
+          <p:nvPr/>
+        </p:nvCxnSpPr>
+        <p:spPr>
+          <a:xfrm flipH="1">
+            <a:off x="2804972" y="1698026"/>
+            <a:ext cx="143156" cy="157535"/>
+          </a:xfrm>
+          <a:prstGeom prst="straightConnector1">
+            <a:avLst/>
+          </a:prstGeom>
+          <a:ln>
+            <a:tailEnd type="triangle"/>
+          </a:ln>
+        </p:spPr>
+        <p:style>
+          <a:lnRef idx="1">
+            <a:schemeClr val="accent1"/>
+          </a:lnRef>
+          <a:fillRef idx="0">
+            <a:schemeClr val="accent1"/>
+          </a:fillRef>
+          <a:effectRef idx="0">
+            <a:schemeClr val="accent1"/>
+          </a:effectRef>
+          <a:fontRef idx="minor">
+            <a:schemeClr val="tx1"/>
+          </a:fontRef>
+        </p:style>
+      </p:cxnSp>
+      <p:cxnSp>
+        <p:nvCxnSpPr>
+          <p:cNvPr id="23" name="Straight Arrow Connector 22">
+            <a:extLst>
+              <a:ext uri="{FF2B5EF4-FFF2-40B4-BE49-F238E27FC236}">
+                <a16:creationId xmlns:a16="http://schemas.microsoft.com/office/drawing/2014/main" id="{81D06AAC-4BDA-7049-AE35-3210DC08EE09}"/>
+              </a:ext>
+            </a:extLst>
+          </p:cNvPr>
+          <p:cNvCxnSpPr>
+            <a:stCxn id="5" idx="5"/>
+            <a:endCxn id="7" idx="1"/>
+          </p:cNvCxnSpPr>
+          <p:nvPr/>
+        </p:nvCxnSpPr>
+        <p:spPr>
+          <a:xfrm>
+            <a:off x="3109772" y="1698026"/>
+            <a:ext cx="143156" cy="148606"/>
+          </a:xfrm>
+          <a:prstGeom prst="straightConnector1">
+            <a:avLst/>
+          </a:prstGeom>
+          <a:ln>
+            <a:tailEnd type="triangle"/>
+          </a:ln>
+        </p:spPr>
+        <p:style>
+          <a:lnRef idx="1">
+            <a:schemeClr val="accent1"/>
+          </a:lnRef>
+          <a:fillRef idx="0">
+            <a:schemeClr val="accent1"/>
+          </a:fillRef>
+          <a:effectRef idx="0">
+            <a:schemeClr val="accent1"/>
+          </a:effectRef>
+          <a:fontRef idx="minor">
+            <a:schemeClr val="tx1"/>
+          </a:fontRef>
+        </p:style>
+      </p:cxnSp>
+      <p:cxnSp>
+        <p:nvCxnSpPr>
+          <p:cNvPr id="25" name="Straight Arrow Connector 24">
+            <a:extLst>
+              <a:ext uri="{FF2B5EF4-FFF2-40B4-BE49-F238E27FC236}">
+                <a16:creationId xmlns:a16="http://schemas.microsoft.com/office/drawing/2014/main" id="{0BB2F5EB-A9FA-3A41-8826-54AC917E1C44}"/>
+              </a:ext>
+            </a:extLst>
+          </p:cNvPr>
+          <p:cNvCxnSpPr>
+            <a:endCxn id="10" idx="7"/>
+          </p:cNvCxnSpPr>
+          <p:nvPr/>
+        </p:nvCxnSpPr>
+        <p:spPr>
+          <a:xfrm flipH="1">
+            <a:off x="2465067" y="2035175"/>
+            <a:ext cx="144783" cy="308483"/>
+          </a:xfrm>
+          <a:prstGeom prst="straightConnector1">
+            <a:avLst/>
+          </a:prstGeom>
+          <a:ln>
+            <a:tailEnd type="triangle"/>
+          </a:ln>
+        </p:spPr>
+        <p:style>
+          <a:lnRef idx="1">
+            <a:schemeClr val="accent1"/>
+          </a:lnRef>
+          <a:fillRef idx="0">
+            <a:schemeClr val="accent1"/>
+          </a:fillRef>
+          <a:effectRef idx="0">
+            <a:schemeClr val="accent1"/>
+          </a:effectRef>
+          <a:fontRef idx="minor">
+            <a:schemeClr val="tx1"/>
+          </a:fontRef>
+        </p:style>
+      </p:cxnSp>
+      <p:cxnSp>
+        <p:nvCxnSpPr>
+          <p:cNvPr id="27" name="Straight Arrow Connector 26">
+            <a:extLst>
+              <a:ext uri="{FF2B5EF4-FFF2-40B4-BE49-F238E27FC236}">
+                <a16:creationId xmlns:a16="http://schemas.microsoft.com/office/drawing/2014/main" id="{836C0078-91C4-C94A-A3B7-7CBF036813ED}"/>
+              </a:ext>
+            </a:extLst>
+          </p:cNvPr>
+          <p:cNvCxnSpPr>
+            <a:endCxn id="11" idx="0"/>
+          </p:cNvCxnSpPr>
+          <p:nvPr/>
+        </p:nvCxnSpPr>
+        <p:spPr>
+          <a:xfrm>
+            <a:off x="2800350" y="2035175"/>
+            <a:ext cx="114300" cy="276134"/>
+          </a:xfrm>
+          <a:prstGeom prst="straightConnector1">
+            <a:avLst/>
+          </a:prstGeom>
+          <a:ln>
+            <a:tailEnd type="triangle"/>
+          </a:ln>
+        </p:spPr>
+        <p:style>
+          <a:lnRef idx="1">
+            <a:schemeClr val="accent1"/>
+          </a:lnRef>
+          <a:fillRef idx="0">
+            <a:schemeClr val="accent1"/>
+          </a:fillRef>
+          <a:effectRef idx="0">
+            <a:schemeClr val="accent1"/>
+          </a:effectRef>
+          <a:fontRef idx="minor">
+            <a:schemeClr val="tx1"/>
+          </a:fontRef>
+        </p:style>
+      </p:cxnSp>
+    </p:spTree>
+    <p:extLst>
+      <p:ext uri="{BB962C8B-B14F-4D97-AF65-F5344CB8AC3E}">
+        <p14:creationId xmlns:p14="http://schemas.microsoft.com/office/powerpoint/2010/main" val="3780549894"/>
+      </p:ext>
+    </p:extLst>
+  </p:cSld>
+  <p:clrMapOvr>
+    <a:masterClrMapping/>
+  </p:clrMapOvr>
+</p:sld>
+</file>
+
+<file path=ppt/slides/slide23.xml><?xml version="1.0" encoding="utf-8"?>
+<p:sld xmlns:a="http://schemas.openxmlformats.org/drawingml/2006/main" xmlns:r="http://schemas.openxmlformats.org/officeDocument/2006/relationships" xmlns:p="http://schemas.openxmlformats.org/presentationml/2006/main">
+  <p:cSld>
+    <p:spTree>
+      <p:nvGrpSpPr>
+        <p:cNvPr id="1" name=""/>
+        <p:cNvGrpSpPr/>
+        <p:nvPr/>
+      </p:nvGrpSpPr>
+      <p:grpSpPr>
+        <a:xfrm>
+          <a:off x="0" y="0"/>
+          <a:ext cx="0" cy="0"/>
+          <a:chOff x="0" y="0"/>
+          <a:chExt cx="0" cy="0"/>
+        </a:xfrm>
+      </p:grpSpPr>
+      <p:sp>
+        <p:nvSpPr>
+          <p:cNvPr id="2" name="Title 1">
+            <a:extLst>
+              <a:ext uri="{FF2B5EF4-FFF2-40B4-BE49-F238E27FC236}">
+                <a16:creationId xmlns:a16="http://schemas.microsoft.com/office/drawing/2014/main" id="{C22CAA00-CAC5-BC40-9342-6D8CB9315524}"/>
+              </a:ext>
+            </a:extLst>
+          </p:cNvPr>
+          <p:cNvSpPr>
+            <a:spLocks noGrp="1"/>
+          </p:cNvSpPr>
+          <p:nvPr>
+            <p:ph type="title"/>
+          </p:nvPr>
+        </p:nvSpPr>
+        <p:spPr>
+          <a:xfrm>
+            <a:off x="456426" y="206375"/>
+            <a:ext cx="1478305" cy="184666"/>
+          </a:xfrm>
+        </p:spPr>
+        <p:txBody>
+          <a:bodyPr/>
+          <a:lstStyle/>
+          <a:p>
+            <a:r>
+              <a:rPr lang="en-US" dirty="0"/>
+              <a:t>2. compute G</a:t>
+            </a:r>
+            <a:r>
+              <a:rPr lang="en-US" baseline="30000" dirty="0"/>
+              <a:t>T</a:t>
+            </a:r>
+            <a:endParaRPr lang="en-US" dirty="0"/>
+          </a:p>
+        </p:txBody>
+      </p:sp>
+      <p:pic>
+        <p:nvPicPr>
+          <p:cNvPr id="4" name="Picture 3" descr="A close up of a watch&#10;&#10;Description automatically generated">
+            <a:extLst>
+              <a:ext uri="{FF2B5EF4-FFF2-40B4-BE49-F238E27FC236}">
+                <a16:creationId xmlns:a16="http://schemas.microsoft.com/office/drawing/2014/main" id="{BDC87B4C-4279-0E4D-8AFE-81AC32FB3FD8}"/>
+              </a:ext>
+            </a:extLst>
+          </p:cNvPr>
+          <p:cNvPicPr>
+            <a:picLocks noChangeAspect="1"/>
+          </p:cNvPicPr>
+          <p:nvPr/>
+        </p:nvPicPr>
+        <p:blipFill>
+          <a:blip r:embed="rId2">
+            <a:extLst>
+              <a:ext uri="{28A0092B-C50C-407E-A947-70E740481C1C}">
+                <a14:useLocalDpi xmlns:a14="http://schemas.microsoft.com/office/drawing/2010/main" val="0"/>
+              </a:ext>
+            </a:extLst>
+          </a:blip>
+          <a:stretch>
+            <a:fillRect/>
+          </a:stretch>
+        </p:blipFill>
+        <p:spPr>
+          <a:xfrm>
+            <a:off x="628650" y="1129216"/>
+            <a:ext cx="2533650" cy="878174"/>
+          </a:xfrm>
+          <a:prstGeom prst="rect">
+            <a:avLst/>
+          </a:prstGeom>
+        </p:spPr>
+      </p:pic>
+      <p:pic>
+        <p:nvPicPr>
+          <p:cNvPr id="20" name="Picture 19" descr="A picture containing indoor, table, sitting, clock&#10;&#10;Description automatically generated">
+            <a:extLst>
+              <a:ext uri="{FF2B5EF4-FFF2-40B4-BE49-F238E27FC236}">
+                <a16:creationId xmlns:a16="http://schemas.microsoft.com/office/drawing/2014/main" id="{62D3B871-B3EA-474F-88F5-8049581C8383}"/>
+              </a:ext>
+            </a:extLst>
+          </p:cNvPr>
+          <p:cNvPicPr>
+            <a:picLocks noChangeAspect="1"/>
+          </p:cNvPicPr>
+          <p:nvPr/>
+        </p:nvPicPr>
+        <p:blipFill>
+          <a:blip r:embed="rId3">
+            <a:extLst>
+              <a:ext uri="{28A0092B-C50C-407E-A947-70E740481C1C}">
+                <a14:useLocalDpi xmlns:a14="http://schemas.microsoft.com/office/drawing/2010/main" val="0"/>
+              </a:ext>
+            </a:extLst>
+          </a:blip>
+          <a:stretch>
+            <a:fillRect/>
+          </a:stretch>
+        </p:blipFill>
+        <p:spPr>
+          <a:xfrm>
+            <a:off x="628650" y="2295608"/>
+            <a:ext cx="2533650" cy="902314"/>
+          </a:xfrm>
+          <a:prstGeom prst="rect">
+            <a:avLst/>
+          </a:prstGeom>
+        </p:spPr>
+      </p:pic>
+      <p:sp>
+        <p:nvSpPr>
+          <p:cNvPr id="22" name="Text Placeholder 2">
+            <a:extLst>
+              <a:ext uri="{FF2B5EF4-FFF2-40B4-BE49-F238E27FC236}">
+                <a16:creationId xmlns:a16="http://schemas.microsoft.com/office/drawing/2014/main" id="{4CE7B20D-FC24-504B-9B6B-4114023C27A1}"/>
+              </a:ext>
+            </a:extLst>
+          </p:cNvPr>
+          <p:cNvSpPr txBox="1">
+            <a:spLocks/>
+          </p:cNvSpPr>
+          <p:nvPr/>
+        </p:nvSpPr>
+        <p:spPr>
+          <a:xfrm>
+            <a:off x="456427" y="663575"/>
+            <a:ext cx="3697246" cy="169277"/>
+          </a:xfrm>
+          <a:prstGeom prst="rect">
+            <a:avLst/>
+          </a:prstGeom>
+        </p:spPr>
+        <p:txBody>
+          <a:bodyPr wrap="square" lIns="0" tIns="0" rIns="0" bIns="0">
+            <a:spAutoFit/>
+          </a:bodyPr>
+          <a:lstStyle>
+            <a:lvl1pPr marL="0">
+              <a:defRPr sz="1100" b="0" i="0">
+                <a:solidFill>
+                  <a:schemeClr val="tx1"/>
+                </a:solidFill>
+                <a:latin typeface="Arial"/>
+                <a:ea typeface="+mn-ea"/>
+                <a:cs typeface="Arial"/>
+              </a:defRPr>
+            </a:lvl1pPr>
+            <a:lvl2pPr marL="457200">
+              <a:defRPr>
+                <a:latin typeface="+mn-lt"/>
+                <a:ea typeface="+mn-ea"/>
+                <a:cs typeface="+mn-cs"/>
+              </a:defRPr>
+            </a:lvl2pPr>
+            <a:lvl3pPr marL="914400">
+              <a:defRPr>
+                <a:latin typeface="+mn-lt"/>
+                <a:ea typeface="+mn-ea"/>
+                <a:cs typeface="+mn-cs"/>
+              </a:defRPr>
+            </a:lvl3pPr>
+            <a:lvl4pPr marL="1371600">
+              <a:defRPr>
+                <a:latin typeface="+mn-lt"/>
+                <a:ea typeface="+mn-ea"/>
+                <a:cs typeface="+mn-cs"/>
+              </a:defRPr>
+            </a:lvl4pPr>
+            <a:lvl5pPr marL="1828800">
+              <a:defRPr>
+                <a:latin typeface="+mn-lt"/>
+                <a:ea typeface="+mn-ea"/>
+                <a:cs typeface="+mn-cs"/>
+              </a:defRPr>
+            </a:lvl5pPr>
+            <a:lvl6pPr marL="2286000">
+              <a:defRPr>
+                <a:latin typeface="+mn-lt"/>
+                <a:ea typeface="+mn-ea"/>
+                <a:cs typeface="+mn-cs"/>
+              </a:defRPr>
+            </a:lvl6pPr>
+            <a:lvl7pPr marL="2743200">
+              <a:defRPr>
+                <a:latin typeface="+mn-lt"/>
+                <a:ea typeface="+mn-ea"/>
+                <a:cs typeface="+mn-cs"/>
+              </a:defRPr>
+            </a:lvl7pPr>
+            <a:lvl8pPr marL="3200400">
+              <a:defRPr>
+                <a:latin typeface="+mn-lt"/>
+                <a:ea typeface="+mn-ea"/>
+                <a:cs typeface="+mn-cs"/>
+              </a:defRPr>
+            </a:lvl8pPr>
+            <a:lvl9pPr marL="3657600">
+              <a:defRPr>
+                <a:latin typeface="+mn-lt"/>
+                <a:ea typeface="+mn-ea"/>
+                <a:cs typeface="+mn-cs"/>
+              </a:defRPr>
+            </a:lvl9pPr>
+          </a:lstStyle>
+          <a:p>
+            <a:r>
+              <a:rPr lang="en-US" kern="0" dirty="0"/>
+              <a:t>All edge directions are reversed.</a:t>
+            </a:r>
+          </a:p>
+        </p:txBody>
+      </p:sp>
+      <p:sp>
+        <p:nvSpPr>
+          <p:cNvPr id="24" name="TextBox 23">
+            <a:extLst>
+              <a:ext uri="{FF2B5EF4-FFF2-40B4-BE49-F238E27FC236}">
+                <a16:creationId xmlns:a16="http://schemas.microsoft.com/office/drawing/2014/main" id="{5339F713-82EA-424D-A977-F9FA4E2B5910}"/>
+              </a:ext>
+            </a:extLst>
+          </p:cNvPr>
+          <p:cNvSpPr txBox="1"/>
+          <p:nvPr/>
+        </p:nvSpPr>
+        <p:spPr>
+          <a:xfrm>
+            <a:off x="552450" y="1273175"/>
+            <a:ext cx="330540" cy="369332"/>
+          </a:xfrm>
+          <a:prstGeom prst="rect">
+            <a:avLst/>
+          </a:prstGeom>
+          <a:noFill/>
+        </p:spPr>
+        <p:txBody>
+          <a:bodyPr wrap="none" rtlCol="0">
+            <a:spAutoFit/>
+          </a:bodyPr>
+          <a:lstStyle/>
+          <a:p>
+            <a:r>
+              <a:rPr lang="en-US" dirty="0"/>
+              <a:t>G</a:t>
+            </a:r>
+          </a:p>
+        </p:txBody>
+      </p:sp>
+      <p:sp>
+        <p:nvSpPr>
+          <p:cNvPr id="26" name="TextBox 25">
+            <a:extLst>
+              <a:ext uri="{FF2B5EF4-FFF2-40B4-BE49-F238E27FC236}">
+                <a16:creationId xmlns:a16="http://schemas.microsoft.com/office/drawing/2014/main" id="{FD72F5D1-C820-E54F-99A0-AA89C880FAD2}"/>
+              </a:ext>
+            </a:extLst>
+          </p:cNvPr>
+          <p:cNvSpPr txBox="1"/>
+          <p:nvPr/>
+        </p:nvSpPr>
+        <p:spPr>
+          <a:xfrm>
+            <a:off x="515357" y="2427843"/>
+            <a:ext cx="404726" cy="369332"/>
+          </a:xfrm>
+          <a:prstGeom prst="rect">
+            <a:avLst/>
+          </a:prstGeom>
+          <a:noFill/>
+        </p:spPr>
+        <p:txBody>
+          <a:bodyPr wrap="none" rtlCol="0">
+            <a:spAutoFit/>
+          </a:bodyPr>
+          <a:lstStyle/>
+          <a:p>
+            <a:r>
+              <a:rPr lang="en-US" dirty="0"/>
+              <a:t>G</a:t>
+            </a:r>
+            <a:r>
+              <a:rPr lang="en-US" baseline="30000" dirty="0"/>
+              <a:t>T</a:t>
+            </a:r>
+            <a:endParaRPr lang="en-US" dirty="0"/>
+          </a:p>
+        </p:txBody>
+      </p:sp>
+      <p:sp>
+        <p:nvSpPr>
+          <p:cNvPr id="8" name="Down Arrow 7">
+            <a:extLst>
+              <a:ext uri="{FF2B5EF4-FFF2-40B4-BE49-F238E27FC236}">
+                <a16:creationId xmlns:a16="http://schemas.microsoft.com/office/drawing/2014/main" id="{B6CD92EF-26E4-E847-856B-171FBC047D9D}"/>
+              </a:ext>
+            </a:extLst>
+          </p:cNvPr>
+          <p:cNvSpPr/>
+          <p:nvPr/>
+        </p:nvSpPr>
+        <p:spPr>
+          <a:xfrm>
+            <a:off x="1934731" y="2013921"/>
+            <a:ext cx="45719" cy="281687"/>
+          </a:xfrm>
+          <a:prstGeom prst="downArrow">
+            <a:avLst/>
+          </a:prstGeom>
+        </p:spPr>
+        <p:style>
+          <a:lnRef idx="2">
+            <a:schemeClr val="accent1">
+              <a:shade val="50000"/>
+            </a:schemeClr>
+          </a:lnRef>
+          <a:fillRef idx="1">
+            <a:schemeClr val="accent1"/>
+          </a:fillRef>
+          <a:effectRef idx="0">
+            <a:schemeClr val="accent1"/>
+          </a:effectRef>
+          <a:fontRef idx="minor">
+            <a:schemeClr val="lt1"/>
+          </a:fontRef>
+        </p:style>
+        <p:txBody>
+          <a:bodyPr rtlCol="0" anchor="ctr"/>
+          <a:lstStyle/>
+          <a:p>
+            <a:pPr algn="ctr"/>
+            <a:endParaRPr lang="en-US"/>
+          </a:p>
+        </p:txBody>
+      </p:sp>
+    </p:spTree>
+    <p:extLst>
+      <p:ext uri="{BB962C8B-B14F-4D97-AF65-F5344CB8AC3E}">
+        <p14:creationId xmlns:p14="http://schemas.microsoft.com/office/powerpoint/2010/main" val="2069432345"/>
+      </p:ext>
+    </p:extLst>
+  </p:cSld>
+  <p:clrMapOvr>
+    <a:masterClrMapping/>
+  </p:clrMapOvr>
+</p:sld>
+</file>
+
+<file path=ppt/slides/slide24.xml><?xml version="1.0" encoding="utf-8"?>
+<p:sld xmlns:a="http://schemas.openxmlformats.org/drawingml/2006/main" xmlns:r="http://schemas.openxmlformats.org/officeDocument/2006/relationships" xmlns:p="http://schemas.openxmlformats.org/presentationml/2006/main">
+  <p:cSld>
+    <p:spTree>
+      <p:nvGrpSpPr>
+        <p:cNvPr id="1" name=""/>
+        <p:cNvGrpSpPr/>
+        <p:nvPr/>
+      </p:nvGrpSpPr>
+      <p:grpSpPr>
+        <a:xfrm>
+          <a:off x="0" y="0"/>
+          <a:ext cx="0" cy="0"/>
+          <a:chOff x="0" y="0"/>
+          <a:chExt cx="0" cy="0"/>
+        </a:xfrm>
+      </p:grpSpPr>
+      <p:sp>
+        <p:nvSpPr>
+          <p:cNvPr id="2" name="Title 1">
+            <a:extLst>
+              <a:ext uri="{FF2B5EF4-FFF2-40B4-BE49-F238E27FC236}">
+                <a16:creationId xmlns:a16="http://schemas.microsoft.com/office/drawing/2014/main" id="{C22CAA00-CAC5-BC40-9342-6D8CB9315524}"/>
+              </a:ext>
+            </a:extLst>
+          </p:cNvPr>
+          <p:cNvSpPr>
+            <a:spLocks noGrp="1"/>
+          </p:cNvSpPr>
+          <p:nvPr>
+            <p:ph type="title"/>
+          </p:nvPr>
+        </p:nvSpPr>
+        <p:spPr>
+          <a:xfrm>
+            <a:off x="456426" y="206375"/>
+            <a:ext cx="1478305" cy="184666"/>
+          </a:xfrm>
+        </p:spPr>
+        <p:txBody>
+          <a:bodyPr/>
+          <a:lstStyle/>
+          <a:p>
+            <a:r>
+              <a:rPr lang="en-US" dirty="0"/>
+              <a:t>3. DFS(G</a:t>
+            </a:r>
+            <a:r>
+              <a:rPr lang="en-US" baseline="30000" dirty="0"/>
+              <a:t>T</a:t>
+            </a:r>
+            <a:r>
+              <a:rPr lang="en-US" dirty="0"/>
+              <a:t>)</a:t>
+            </a:r>
+          </a:p>
+        </p:txBody>
+      </p:sp>
+      <p:sp>
+        <p:nvSpPr>
+          <p:cNvPr id="3" name="Text Placeholder 2">
+            <a:extLst>
+              <a:ext uri="{FF2B5EF4-FFF2-40B4-BE49-F238E27FC236}">
+                <a16:creationId xmlns:a16="http://schemas.microsoft.com/office/drawing/2014/main" id="{8EC120DB-6BB5-2A47-9818-167D7955398F}"/>
+              </a:ext>
+            </a:extLst>
+          </p:cNvPr>
+          <p:cNvSpPr>
+            <a:spLocks noGrp="1"/>
+          </p:cNvSpPr>
+          <p:nvPr>
+            <p:ph type="body" idx="1"/>
+          </p:nvPr>
+        </p:nvSpPr>
+        <p:spPr>
+          <a:xfrm>
+            <a:off x="467103" y="591022"/>
+            <a:ext cx="3697246" cy="169277"/>
+          </a:xfrm>
+        </p:spPr>
+        <p:txBody>
+          <a:bodyPr/>
+          <a:lstStyle/>
+          <a:p>
+            <a:r>
+              <a:rPr lang="en-US" dirty="0"/>
+              <a:t>Vertices are selected in order of decreasing </a:t>
+            </a:r>
+            <a:r>
+              <a:rPr lang="en-US" dirty="0" err="1"/>
+              <a:t>u.f</a:t>
+            </a:r>
+            <a:endParaRPr lang="en-US" dirty="0"/>
+          </a:p>
+        </p:txBody>
+      </p:sp>
+      <p:pic>
+        <p:nvPicPr>
+          <p:cNvPr id="4" name="Picture 3" descr="A close up of a watch&#10;&#10;Description automatically generated">
+            <a:extLst>
+              <a:ext uri="{FF2B5EF4-FFF2-40B4-BE49-F238E27FC236}">
+                <a16:creationId xmlns:a16="http://schemas.microsoft.com/office/drawing/2014/main" id="{BDC87B4C-4279-0E4D-8AFE-81AC32FB3FD8}"/>
+              </a:ext>
+            </a:extLst>
+          </p:cNvPr>
+          <p:cNvPicPr>
+            <a:picLocks noChangeAspect="1"/>
+          </p:cNvPicPr>
+          <p:nvPr/>
+        </p:nvPicPr>
+        <p:blipFill>
+          <a:blip r:embed="rId2">
+            <a:extLst>
+              <a:ext uri="{28A0092B-C50C-407E-A947-70E740481C1C}">
+                <a14:useLocalDpi xmlns:a14="http://schemas.microsoft.com/office/drawing/2010/main" val="0"/>
+              </a:ext>
+            </a:extLst>
+          </a:blip>
+          <a:stretch>
+            <a:fillRect/>
+          </a:stretch>
+        </p:blipFill>
+        <p:spPr>
+          <a:xfrm>
+            <a:off x="1957130" y="2131169"/>
+            <a:ext cx="2533650" cy="878174"/>
+          </a:xfrm>
+          <a:prstGeom prst="rect">
+            <a:avLst/>
+          </a:prstGeom>
+        </p:spPr>
+      </p:pic>
+      <p:pic>
+        <p:nvPicPr>
+          <p:cNvPr id="20" name="Picture 19" descr="A picture containing indoor, table, sitting, clock&#10;&#10;Description automatically generated">
+            <a:extLst>
+              <a:ext uri="{FF2B5EF4-FFF2-40B4-BE49-F238E27FC236}">
+                <a16:creationId xmlns:a16="http://schemas.microsoft.com/office/drawing/2014/main" id="{62D3B871-B3EA-474F-88F5-8049581C8383}"/>
+              </a:ext>
+            </a:extLst>
+          </p:cNvPr>
+          <p:cNvPicPr>
+            <a:picLocks noChangeAspect="1"/>
+          </p:cNvPicPr>
+          <p:nvPr/>
+        </p:nvPicPr>
+        <p:blipFill>
+          <a:blip r:embed="rId3">
+            <a:extLst>
+              <a:ext uri="{28A0092B-C50C-407E-A947-70E740481C1C}">
+                <a14:useLocalDpi xmlns:a14="http://schemas.microsoft.com/office/drawing/2010/main" val="0"/>
+              </a:ext>
+            </a:extLst>
+          </a:blip>
+          <a:stretch>
+            <a:fillRect/>
+          </a:stretch>
+        </p:blipFill>
+        <p:spPr>
+          <a:xfrm>
+            <a:off x="95250" y="944235"/>
+            <a:ext cx="2533650" cy="902314"/>
+          </a:xfrm>
+          <a:prstGeom prst="rect">
+            <a:avLst/>
+          </a:prstGeom>
+        </p:spPr>
+      </p:pic>
+      <p:sp>
+        <p:nvSpPr>
+          <p:cNvPr id="12" name="Oval 11">
+            <a:extLst>
+              <a:ext uri="{FF2B5EF4-FFF2-40B4-BE49-F238E27FC236}">
+                <a16:creationId xmlns:a16="http://schemas.microsoft.com/office/drawing/2014/main" id="{7FE9D501-B43F-8E45-B10D-057B118ADDA1}"/>
+              </a:ext>
+            </a:extLst>
+          </p:cNvPr>
+          <p:cNvSpPr/>
+          <p:nvPr/>
+        </p:nvSpPr>
+        <p:spPr>
+          <a:xfrm>
+            <a:off x="2990850" y="2263775"/>
+            <a:ext cx="152400" cy="135968"/>
+          </a:xfrm>
+          <a:prstGeom prst="ellipse">
+            <a:avLst/>
+          </a:prstGeom>
+          <a:noFill/>
+          <a:ln w="6350">
+            <a:solidFill>
+              <a:srgbClr val="FF0000"/>
+            </a:solidFill>
+          </a:ln>
+        </p:spPr>
+        <p:style>
+          <a:lnRef idx="2">
+            <a:schemeClr val="accent1">
+              <a:shade val="50000"/>
+            </a:schemeClr>
+          </a:lnRef>
+          <a:fillRef idx="1">
+            <a:schemeClr val="accent1"/>
+          </a:fillRef>
+          <a:effectRef idx="0">
+            <a:schemeClr val="accent1"/>
+          </a:effectRef>
+          <a:fontRef idx="minor">
+            <a:schemeClr val="lt1"/>
+          </a:fontRef>
+        </p:style>
+        <p:txBody>
+          <a:bodyPr rtlCol="0" anchor="ctr"/>
+          <a:lstStyle/>
+          <a:p>
+            <a:pPr algn="ctr"/>
+            <a:endParaRPr lang="en-US"/>
+          </a:p>
+        </p:txBody>
+      </p:sp>
+      <p:sp>
+        <p:nvSpPr>
+          <p:cNvPr id="22" name="Oval 21">
+            <a:extLst>
+              <a:ext uri="{FF2B5EF4-FFF2-40B4-BE49-F238E27FC236}">
+                <a16:creationId xmlns:a16="http://schemas.microsoft.com/office/drawing/2014/main" id="{32EC574B-EFDC-EE4D-8D8E-B39FB039D0DD}"/>
+              </a:ext>
+            </a:extLst>
+          </p:cNvPr>
+          <p:cNvSpPr/>
+          <p:nvPr/>
+        </p:nvSpPr>
+        <p:spPr>
+          <a:xfrm>
+            <a:off x="3553348" y="2281434"/>
+            <a:ext cx="152400" cy="135968"/>
+          </a:xfrm>
+          <a:prstGeom prst="ellipse">
+            <a:avLst/>
+          </a:prstGeom>
+          <a:noFill/>
+          <a:ln w="6350">
+            <a:solidFill>
+              <a:srgbClr val="FF0000"/>
+            </a:solidFill>
+          </a:ln>
+        </p:spPr>
+        <p:style>
+          <a:lnRef idx="2">
+            <a:schemeClr val="accent1">
+              <a:shade val="50000"/>
+            </a:schemeClr>
+          </a:lnRef>
+          <a:fillRef idx="1">
+            <a:schemeClr val="accent1"/>
+          </a:fillRef>
+          <a:effectRef idx="0">
+            <a:schemeClr val="accent1"/>
+          </a:effectRef>
+          <a:fontRef idx="minor">
+            <a:schemeClr val="lt1"/>
+          </a:fontRef>
+        </p:style>
+        <p:txBody>
+          <a:bodyPr rtlCol="0" anchor="ctr"/>
+          <a:lstStyle/>
+          <a:p>
+            <a:pPr algn="ctr"/>
+            <a:endParaRPr lang="en-US"/>
+          </a:p>
+        </p:txBody>
+      </p:sp>
+      <p:sp>
+        <p:nvSpPr>
+          <p:cNvPr id="24" name="Oval 23">
+            <a:extLst>
+              <a:ext uri="{FF2B5EF4-FFF2-40B4-BE49-F238E27FC236}">
+                <a16:creationId xmlns:a16="http://schemas.microsoft.com/office/drawing/2014/main" id="{FC7DFBD9-68B5-BC41-934F-CFCA37FABD63}"/>
+              </a:ext>
+            </a:extLst>
+          </p:cNvPr>
+          <p:cNvSpPr/>
+          <p:nvPr/>
+        </p:nvSpPr>
+        <p:spPr>
+          <a:xfrm>
+            <a:off x="4153673" y="2672477"/>
+            <a:ext cx="152400" cy="135968"/>
+          </a:xfrm>
+          <a:prstGeom prst="ellipse">
+            <a:avLst/>
+          </a:prstGeom>
+          <a:noFill/>
+          <a:ln w="6350">
+            <a:solidFill>
+              <a:srgbClr val="FF0000"/>
+            </a:solidFill>
+          </a:ln>
+        </p:spPr>
+        <p:style>
+          <a:lnRef idx="2">
+            <a:schemeClr val="accent1">
+              <a:shade val="50000"/>
+            </a:schemeClr>
+          </a:lnRef>
+          <a:fillRef idx="1">
+            <a:schemeClr val="accent1"/>
+          </a:fillRef>
+          <a:effectRef idx="0">
+            <a:schemeClr val="accent1"/>
+          </a:effectRef>
+          <a:fontRef idx="minor">
+            <a:schemeClr val="lt1"/>
+          </a:fontRef>
+        </p:style>
+        <p:txBody>
+          <a:bodyPr rtlCol="0" anchor="ctr"/>
+          <a:lstStyle/>
+          <a:p>
+            <a:pPr algn="ctr"/>
+            <a:endParaRPr lang="en-US"/>
+          </a:p>
+        </p:txBody>
+      </p:sp>
+      <p:sp>
+        <p:nvSpPr>
+          <p:cNvPr id="26" name="Oval 25">
+            <a:extLst>
+              <a:ext uri="{FF2B5EF4-FFF2-40B4-BE49-F238E27FC236}">
+                <a16:creationId xmlns:a16="http://schemas.microsoft.com/office/drawing/2014/main" id="{F7C25201-C416-1A49-93D4-D9A8D1EA0194}"/>
+              </a:ext>
+            </a:extLst>
+          </p:cNvPr>
+          <p:cNvSpPr/>
+          <p:nvPr/>
+        </p:nvSpPr>
+        <p:spPr>
+          <a:xfrm>
+            <a:off x="3553348" y="2679797"/>
+            <a:ext cx="152400" cy="135968"/>
+          </a:xfrm>
+          <a:prstGeom prst="ellipse">
+            <a:avLst/>
+          </a:prstGeom>
+          <a:noFill/>
+          <a:ln w="6350">
+            <a:solidFill>
+              <a:srgbClr val="FF0000"/>
+            </a:solidFill>
+          </a:ln>
+        </p:spPr>
+        <p:style>
+          <a:lnRef idx="2">
+            <a:schemeClr val="accent1">
+              <a:shade val="50000"/>
+            </a:schemeClr>
+          </a:lnRef>
+          <a:fillRef idx="1">
+            <a:schemeClr val="accent1"/>
+          </a:fillRef>
+          <a:effectRef idx="0">
+            <a:schemeClr val="accent1"/>
+          </a:effectRef>
+          <a:fontRef idx="minor">
+            <a:schemeClr val="lt1"/>
+          </a:fontRef>
+        </p:style>
+        <p:txBody>
+          <a:bodyPr rtlCol="0" anchor="ctr"/>
+          <a:lstStyle/>
+          <a:p>
+            <a:pPr algn="ctr"/>
+            <a:endParaRPr lang="en-US"/>
+          </a:p>
+        </p:txBody>
+      </p:sp>
+      <p:sp>
+        <p:nvSpPr>
+          <p:cNvPr id="29" name="TextBox 28">
+            <a:extLst>
+              <a:ext uri="{FF2B5EF4-FFF2-40B4-BE49-F238E27FC236}">
+                <a16:creationId xmlns:a16="http://schemas.microsoft.com/office/drawing/2014/main" id="{4A7A9423-EAF5-9345-B42B-FBC14CAC4046}"/>
+              </a:ext>
+            </a:extLst>
+          </p:cNvPr>
+          <p:cNvSpPr txBox="1"/>
+          <p:nvPr/>
+        </p:nvSpPr>
+        <p:spPr>
+          <a:xfrm>
+            <a:off x="51700" y="1120775"/>
+            <a:ext cx="404726" cy="369332"/>
+          </a:xfrm>
+          <a:prstGeom prst="rect">
+            <a:avLst/>
+          </a:prstGeom>
+          <a:noFill/>
+        </p:spPr>
+        <p:txBody>
+          <a:bodyPr wrap="none" rtlCol="0">
+            <a:spAutoFit/>
+          </a:bodyPr>
+          <a:lstStyle/>
+          <a:p>
+            <a:r>
+              <a:rPr lang="en-US" dirty="0"/>
+              <a:t>G</a:t>
+            </a:r>
+            <a:r>
+              <a:rPr lang="en-US" baseline="30000" dirty="0"/>
+              <a:t>T</a:t>
+            </a:r>
+            <a:endParaRPr lang="en-US" dirty="0"/>
+          </a:p>
+        </p:txBody>
+      </p:sp>
+      <p:sp>
+        <p:nvSpPr>
+          <p:cNvPr id="30" name="Text Placeholder 2">
+            <a:extLst>
+              <a:ext uri="{FF2B5EF4-FFF2-40B4-BE49-F238E27FC236}">
+                <a16:creationId xmlns:a16="http://schemas.microsoft.com/office/drawing/2014/main" id="{C9F7D106-74AA-2C4A-B441-D186D53A1668}"/>
+              </a:ext>
+            </a:extLst>
+          </p:cNvPr>
+          <p:cNvSpPr txBox="1">
+            <a:spLocks/>
+          </p:cNvSpPr>
+          <p:nvPr/>
+        </p:nvSpPr>
+        <p:spPr>
+          <a:xfrm>
+            <a:off x="456426" y="1917906"/>
+            <a:ext cx="2229624" cy="169277"/>
+          </a:xfrm>
+          <a:prstGeom prst="rect">
+            <a:avLst/>
+          </a:prstGeom>
+        </p:spPr>
+        <p:txBody>
+          <a:bodyPr wrap="square" lIns="0" tIns="0" rIns="0" bIns="0">
+            <a:spAutoFit/>
+          </a:bodyPr>
+          <a:lstStyle>
+            <a:lvl1pPr marL="0">
+              <a:defRPr sz="1100" b="0" i="0">
+                <a:solidFill>
+                  <a:schemeClr val="tx1"/>
+                </a:solidFill>
+                <a:latin typeface="Arial"/>
+                <a:ea typeface="+mn-ea"/>
+                <a:cs typeface="Arial"/>
+              </a:defRPr>
+            </a:lvl1pPr>
+            <a:lvl2pPr marL="457200">
+              <a:defRPr>
+                <a:latin typeface="+mn-lt"/>
+                <a:ea typeface="+mn-ea"/>
+                <a:cs typeface="+mn-cs"/>
+              </a:defRPr>
+            </a:lvl2pPr>
+            <a:lvl3pPr marL="914400">
+              <a:defRPr>
+                <a:latin typeface="+mn-lt"/>
+                <a:ea typeface="+mn-ea"/>
+                <a:cs typeface="+mn-cs"/>
+              </a:defRPr>
+            </a:lvl3pPr>
+            <a:lvl4pPr marL="1371600">
+              <a:defRPr>
+                <a:latin typeface="+mn-lt"/>
+                <a:ea typeface="+mn-ea"/>
+                <a:cs typeface="+mn-cs"/>
+              </a:defRPr>
+            </a:lvl4pPr>
+            <a:lvl5pPr marL="1828800">
+              <a:defRPr>
+                <a:latin typeface="+mn-lt"/>
+                <a:ea typeface="+mn-ea"/>
+                <a:cs typeface="+mn-cs"/>
+              </a:defRPr>
+            </a:lvl5pPr>
+            <a:lvl6pPr marL="2286000">
+              <a:defRPr>
+                <a:latin typeface="+mn-lt"/>
+                <a:ea typeface="+mn-ea"/>
+                <a:cs typeface="+mn-cs"/>
+              </a:defRPr>
+            </a:lvl6pPr>
+            <a:lvl7pPr marL="2743200">
+              <a:defRPr>
+                <a:latin typeface="+mn-lt"/>
+                <a:ea typeface="+mn-ea"/>
+                <a:cs typeface="+mn-cs"/>
+              </a:defRPr>
+            </a:lvl7pPr>
+            <a:lvl8pPr marL="3200400">
+              <a:defRPr>
+                <a:latin typeface="+mn-lt"/>
+                <a:ea typeface="+mn-ea"/>
+                <a:cs typeface="+mn-cs"/>
+              </a:defRPr>
+            </a:lvl8pPr>
+            <a:lvl9pPr marL="3657600">
+              <a:defRPr>
+                <a:latin typeface="+mn-lt"/>
+                <a:ea typeface="+mn-ea"/>
+                <a:cs typeface="+mn-cs"/>
+              </a:defRPr>
+            </a:lvl9pPr>
+          </a:lstStyle>
+          <a:p>
+            <a:r>
+              <a:rPr lang="en-US" kern="0"/>
+              <a:t>Practice) compute u.s/u/f in G</a:t>
+            </a:r>
+            <a:r>
+              <a:rPr lang="en-US" kern="0" baseline="30000"/>
+              <a:t>T</a:t>
+            </a:r>
+            <a:endParaRPr lang="en-US" kern="0" dirty="0"/>
+          </a:p>
+        </p:txBody>
+      </p:sp>
+    </p:spTree>
+    <p:extLst>
+      <p:ext uri="{BB962C8B-B14F-4D97-AF65-F5344CB8AC3E}">
+        <p14:creationId xmlns:p14="http://schemas.microsoft.com/office/powerpoint/2010/main" val="3956098344"/>
+      </p:ext>
+    </p:extLst>
+  </p:cSld>
+  <p:clrMapOvr>
+    <a:masterClrMapping/>
+  </p:clrMapOvr>
+</p:sld>
+</file>
+
+<file path=ppt/slides/slide25.xml><?xml version="1.0" encoding="utf-8"?>
+<p:sld xmlns:a="http://schemas.openxmlformats.org/drawingml/2006/main" xmlns:r="http://schemas.openxmlformats.org/officeDocument/2006/relationships" xmlns:p="http://schemas.openxmlformats.org/presentationml/2006/main">
+  <p:cSld>
+    <p:spTree>
+      <p:nvGrpSpPr>
+        <p:cNvPr id="1" name=""/>
+        <p:cNvGrpSpPr/>
+        <p:nvPr/>
+      </p:nvGrpSpPr>
+      <p:grpSpPr>
+        <a:xfrm>
+          <a:off x="0" y="0"/>
+          <a:ext cx="0" cy="0"/>
+          <a:chOff x="0" y="0"/>
+          <a:chExt cx="0" cy="0"/>
+        </a:xfrm>
+      </p:grpSpPr>
+      <p:sp>
+        <p:nvSpPr>
+          <p:cNvPr id="2" name="Title 1">
+            <a:extLst>
+              <a:ext uri="{FF2B5EF4-FFF2-40B4-BE49-F238E27FC236}">
+                <a16:creationId xmlns:a16="http://schemas.microsoft.com/office/drawing/2014/main" id="{C22CAA00-CAC5-BC40-9342-6D8CB9315524}"/>
+              </a:ext>
+            </a:extLst>
+          </p:cNvPr>
+          <p:cNvSpPr>
+            <a:spLocks noGrp="1"/>
+          </p:cNvSpPr>
+          <p:nvPr>
+            <p:ph type="title"/>
+          </p:nvPr>
+        </p:nvSpPr>
+        <p:spPr>
+          <a:xfrm>
+            <a:off x="456426" y="206375"/>
+            <a:ext cx="1478305" cy="184666"/>
+          </a:xfrm>
+        </p:spPr>
+        <p:txBody>
+          <a:bodyPr/>
+          <a:lstStyle/>
+          <a:p>
+            <a:r>
+              <a:rPr lang="en-US" dirty="0"/>
+              <a:t>4. SCC </a:t>
+            </a:r>
+          </a:p>
+        </p:txBody>
+      </p:sp>
+      <p:pic>
+        <p:nvPicPr>
+          <p:cNvPr id="4" name="Picture 3" descr="A close up of a watch&#10;&#10;Description automatically generated">
+            <a:extLst>
+              <a:ext uri="{FF2B5EF4-FFF2-40B4-BE49-F238E27FC236}">
+                <a16:creationId xmlns:a16="http://schemas.microsoft.com/office/drawing/2014/main" id="{BDC87B4C-4279-0E4D-8AFE-81AC32FB3FD8}"/>
+              </a:ext>
+            </a:extLst>
+          </p:cNvPr>
+          <p:cNvPicPr>
+            <a:picLocks noChangeAspect="1"/>
+          </p:cNvPicPr>
+          <p:nvPr/>
+        </p:nvPicPr>
+        <p:blipFill>
+          <a:blip r:embed="rId2">
+            <a:extLst>
+              <a:ext uri="{28A0092B-C50C-407E-A947-70E740481C1C}">
+                <a14:useLocalDpi xmlns:a14="http://schemas.microsoft.com/office/drawing/2010/main" val="0"/>
+              </a:ext>
+            </a:extLst>
+          </a:blip>
+          <a:stretch>
+            <a:fillRect/>
+          </a:stretch>
+        </p:blipFill>
+        <p:spPr>
+          <a:xfrm>
+            <a:off x="2046432" y="2469651"/>
+            <a:ext cx="2533650" cy="878174"/>
+          </a:xfrm>
+          <a:prstGeom prst="rect">
+            <a:avLst/>
+          </a:prstGeom>
+        </p:spPr>
+      </p:pic>
+      <p:sp>
+        <p:nvSpPr>
+          <p:cNvPr id="5" name="Oval 4">
+            <a:extLst>
+              <a:ext uri="{FF2B5EF4-FFF2-40B4-BE49-F238E27FC236}">
+                <a16:creationId xmlns:a16="http://schemas.microsoft.com/office/drawing/2014/main" id="{AC555F61-8017-C943-8F3F-816D0BAAB651}"/>
+              </a:ext>
+            </a:extLst>
+          </p:cNvPr>
+          <p:cNvSpPr/>
+          <p:nvPr/>
+        </p:nvSpPr>
+        <p:spPr>
+          <a:xfrm>
+            <a:off x="1215734" y="1884644"/>
+            <a:ext cx="228600" cy="220892"/>
+          </a:xfrm>
+          <a:prstGeom prst="ellipse">
+            <a:avLst/>
+          </a:prstGeom>
+        </p:spPr>
+        <p:style>
+          <a:lnRef idx="2">
+            <a:schemeClr val="accent1">
+              <a:shade val="50000"/>
+            </a:schemeClr>
+          </a:lnRef>
+          <a:fillRef idx="1">
+            <a:schemeClr val="accent1"/>
+          </a:fillRef>
+          <a:effectRef idx="0">
+            <a:schemeClr val="accent1"/>
+          </a:effectRef>
+          <a:fontRef idx="minor">
+            <a:schemeClr val="lt1"/>
+          </a:fontRef>
+        </p:style>
+        <p:txBody>
+          <a:bodyPr rtlCol="0" anchor="ctr"/>
+          <a:lstStyle/>
+          <a:p>
+            <a:pPr algn="ctr"/>
+            <a:r>
+              <a:rPr lang="en-US" dirty="0"/>
+              <a:t>c</a:t>
+            </a:r>
+          </a:p>
+        </p:txBody>
+      </p:sp>
+      <p:sp>
+        <p:nvSpPr>
+          <p:cNvPr id="6" name="Oval 5">
+            <a:extLst>
+              <a:ext uri="{FF2B5EF4-FFF2-40B4-BE49-F238E27FC236}">
+                <a16:creationId xmlns:a16="http://schemas.microsoft.com/office/drawing/2014/main" id="{238D1061-A3F4-A243-B5B3-99F59040F341}"/>
+              </a:ext>
+            </a:extLst>
+          </p:cNvPr>
+          <p:cNvSpPr/>
+          <p:nvPr/>
+        </p:nvSpPr>
+        <p:spPr>
+          <a:xfrm>
+            <a:off x="618724" y="1884644"/>
+            <a:ext cx="228600" cy="220892"/>
+          </a:xfrm>
+          <a:prstGeom prst="ellipse">
+            <a:avLst/>
+          </a:prstGeom>
+        </p:spPr>
+        <p:style>
+          <a:lnRef idx="2">
+            <a:schemeClr val="accent1">
+              <a:shade val="50000"/>
+            </a:schemeClr>
+          </a:lnRef>
+          <a:fillRef idx="1">
+            <a:schemeClr val="accent1"/>
+          </a:fillRef>
+          <a:effectRef idx="0">
+            <a:schemeClr val="accent1"/>
+          </a:effectRef>
+          <a:fontRef idx="minor">
+            <a:schemeClr val="lt1"/>
+          </a:fontRef>
+        </p:style>
+        <p:txBody>
+          <a:bodyPr rtlCol="0" anchor="ctr"/>
+          <a:lstStyle/>
+          <a:p>
+            <a:pPr algn="ctr"/>
+            <a:r>
+              <a:rPr lang="en-US" dirty="0"/>
+              <a:t>b</a:t>
+            </a:r>
+          </a:p>
+        </p:txBody>
+      </p:sp>
+      <p:sp>
+        <p:nvSpPr>
+          <p:cNvPr id="7" name="Oval 6">
+            <a:extLst>
+              <a:ext uri="{FF2B5EF4-FFF2-40B4-BE49-F238E27FC236}">
+                <a16:creationId xmlns:a16="http://schemas.microsoft.com/office/drawing/2014/main" id="{B98CCDBC-8146-644E-AD3D-93F7D605AAD4}"/>
+              </a:ext>
+            </a:extLst>
+          </p:cNvPr>
+          <p:cNvSpPr/>
+          <p:nvPr/>
+        </p:nvSpPr>
+        <p:spPr>
+          <a:xfrm>
+            <a:off x="1101434" y="2525519"/>
+            <a:ext cx="228600" cy="220892"/>
+          </a:xfrm>
+          <a:prstGeom prst="ellipse">
+            <a:avLst/>
+          </a:prstGeom>
+        </p:spPr>
+        <p:style>
+          <a:lnRef idx="2">
+            <a:schemeClr val="accent1">
+              <a:shade val="50000"/>
+            </a:schemeClr>
+          </a:lnRef>
+          <a:fillRef idx="1">
+            <a:schemeClr val="accent1"/>
+          </a:fillRef>
+          <a:effectRef idx="0">
+            <a:schemeClr val="accent1"/>
+          </a:effectRef>
+          <a:fontRef idx="minor">
+            <a:schemeClr val="lt1"/>
+          </a:fontRef>
+        </p:style>
+        <p:txBody>
+          <a:bodyPr rtlCol="0" anchor="ctr"/>
+          <a:lstStyle/>
+          <a:p>
+            <a:pPr algn="ctr"/>
+            <a:r>
+              <a:rPr lang="en-US" dirty="0"/>
+              <a:t>d</a:t>
+            </a:r>
+          </a:p>
+        </p:txBody>
+      </p:sp>
+      <p:sp>
+        <p:nvSpPr>
+          <p:cNvPr id="9" name="Oval 8">
+            <a:extLst>
+              <a:ext uri="{FF2B5EF4-FFF2-40B4-BE49-F238E27FC236}">
+                <a16:creationId xmlns:a16="http://schemas.microsoft.com/office/drawing/2014/main" id="{D108A209-FC05-DD4D-95A4-20DEA5EE73F0}"/>
+              </a:ext>
+            </a:extLst>
+          </p:cNvPr>
+          <p:cNvSpPr/>
+          <p:nvPr/>
+        </p:nvSpPr>
+        <p:spPr>
+          <a:xfrm>
+            <a:off x="1892571" y="1880175"/>
+            <a:ext cx="228600" cy="220892"/>
+          </a:xfrm>
+          <a:prstGeom prst="ellipse">
+            <a:avLst/>
+          </a:prstGeom>
+        </p:spPr>
+        <p:style>
+          <a:lnRef idx="2">
+            <a:schemeClr val="accent1">
+              <a:shade val="50000"/>
+            </a:schemeClr>
+          </a:lnRef>
+          <a:fillRef idx="1">
+            <a:schemeClr val="accent1"/>
+          </a:fillRef>
+          <a:effectRef idx="0">
+            <a:schemeClr val="accent1"/>
+          </a:effectRef>
+          <a:fontRef idx="minor">
+            <a:schemeClr val="lt1"/>
+          </a:fontRef>
+        </p:style>
+        <p:txBody>
+          <a:bodyPr rtlCol="0" anchor="ctr"/>
+          <a:lstStyle/>
+          <a:p>
+            <a:pPr algn="ctr"/>
+            <a:r>
+              <a:rPr lang="en-US" dirty="0"/>
+              <a:t>g</a:t>
+            </a:r>
+          </a:p>
+        </p:txBody>
+      </p:sp>
+      <p:sp>
+        <p:nvSpPr>
+          <p:cNvPr id="10" name="Oval 9">
+            <a:extLst>
+              <a:ext uri="{FF2B5EF4-FFF2-40B4-BE49-F238E27FC236}">
+                <a16:creationId xmlns:a16="http://schemas.microsoft.com/office/drawing/2014/main" id="{40ABF4DC-EEC3-714E-A300-5B3525EFA656}"/>
+              </a:ext>
+            </a:extLst>
+          </p:cNvPr>
+          <p:cNvSpPr/>
+          <p:nvPr/>
+        </p:nvSpPr>
+        <p:spPr>
+          <a:xfrm>
+            <a:off x="1841192" y="2486825"/>
+            <a:ext cx="228600" cy="220892"/>
+          </a:xfrm>
+          <a:prstGeom prst="ellipse">
+            <a:avLst/>
+          </a:prstGeom>
+        </p:spPr>
+        <p:style>
+          <a:lnRef idx="2">
+            <a:schemeClr val="accent1">
+              <a:shade val="50000"/>
+            </a:schemeClr>
+          </a:lnRef>
+          <a:fillRef idx="1">
+            <a:schemeClr val="accent1"/>
+          </a:fillRef>
+          <a:effectRef idx="0">
+            <a:schemeClr val="accent1"/>
+          </a:effectRef>
+          <a:fontRef idx="minor">
+            <a:schemeClr val="lt1"/>
+          </a:fontRef>
+        </p:style>
+        <p:txBody>
+          <a:bodyPr rtlCol="0" anchor="ctr"/>
+          <a:lstStyle/>
+          <a:p>
+            <a:pPr algn="ctr"/>
+            <a:r>
+              <a:rPr lang="en-US" dirty="0"/>
+              <a:t>f</a:t>
+            </a:r>
+          </a:p>
+        </p:txBody>
+      </p:sp>
+      <p:sp>
+        <p:nvSpPr>
+          <p:cNvPr id="11" name="Oval 10">
+            <a:extLst>
+              <a:ext uri="{FF2B5EF4-FFF2-40B4-BE49-F238E27FC236}">
+                <a16:creationId xmlns:a16="http://schemas.microsoft.com/office/drawing/2014/main" id="{FF9B6372-3516-BC40-9B03-FC3439601254}"/>
+              </a:ext>
+            </a:extLst>
+          </p:cNvPr>
+          <p:cNvSpPr/>
+          <p:nvPr/>
+        </p:nvSpPr>
+        <p:spPr>
+          <a:xfrm>
+            <a:off x="2485206" y="1861426"/>
+            <a:ext cx="228600" cy="220892"/>
+          </a:xfrm>
+          <a:prstGeom prst="ellipse">
+            <a:avLst/>
+          </a:prstGeom>
+        </p:spPr>
+        <p:style>
+          <a:lnRef idx="2">
+            <a:schemeClr val="accent1">
+              <a:shade val="50000"/>
+            </a:schemeClr>
+          </a:lnRef>
+          <a:fillRef idx="1">
+            <a:schemeClr val="accent1"/>
+          </a:fillRef>
+          <a:effectRef idx="0">
+            <a:schemeClr val="accent1"/>
+          </a:effectRef>
+          <a:fontRef idx="minor">
+            <a:schemeClr val="lt1"/>
+          </a:fontRef>
+        </p:style>
+        <p:txBody>
+          <a:bodyPr rtlCol="0" anchor="ctr"/>
+          <a:lstStyle/>
+          <a:p>
+            <a:pPr algn="ctr"/>
+            <a:r>
+              <a:rPr lang="en-US" dirty="0"/>
+              <a:t>h</a:t>
+            </a:r>
+          </a:p>
+        </p:txBody>
+      </p:sp>
+      <p:sp>
+        <p:nvSpPr>
+          <p:cNvPr id="13" name="Oval 12">
+            <a:extLst>
+              <a:ext uri="{FF2B5EF4-FFF2-40B4-BE49-F238E27FC236}">
+                <a16:creationId xmlns:a16="http://schemas.microsoft.com/office/drawing/2014/main" id="{A1F63F73-BCBA-EA4D-89DC-80667ECDA4EB}"/>
+              </a:ext>
+            </a:extLst>
+          </p:cNvPr>
+          <p:cNvSpPr/>
+          <p:nvPr/>
+        </p:nvSpPr>
+        <p:spPr>
+          <a:xfrm>
+            <a:off x="303989" y="2238506"/>
+            <a:ext cx="228600" cy="220892"/>
+          </a:xfrm>
+          <a:prstGeom prst="ellipse">
+            <a:avLst/>
+          </a:prstGeom>
+        </p:spPr>
+        <p:style>
+          <a:lnRef idx="2">
+            <a:schemeClr val="accent1">
+              <a:shade val="50000"/>
+            </a:schemeClr>
+          </a:lnRef>
+          <a:fillRef idx="1">
+            <a:schemeClr val="accent1"/>
+          </a:fillRef>
+          <a:effectRef idx="0">
+            <a:schemeClr val="accent1"/>
+          </a:effectRef>
+          <a:fontRef idx="minor">
+            <a:schemeClr val="lt1"/>
+          </a:fontRef>
+        </p:style>
+        <p:txBody>
+          <a:bodyPr rtlCol="0" anchor="ctr"/>
+          <a:lstStyle/>
+          <a:p>
+            <a:pPr algn="ctr"/>
+            <a:r>
+              <a:rPr lang="en-US" dirty="0"/>
+              <a:t>a</a:t>
+            </a:r>
+          </a:p>
+        </p:txBody>
+      </p:sp>
+      <p:sp>
+        <p:nvSpPr>
+          <p:cNvPr id="14" name="Oval 13">
+            <a:extLst>
+              <a:ext uri="{FF2B5EF4-FFF2-40B4-BE49-F238E27FC236}">
+                <a16:creationId xmlns:a16="http://schemas.microsoft.com/office/drawing/2014/main" id="{A6316E4D-66D1-934E-BFC1-34172B0CA571}"/>
+              </a:ext>
+            </a:extLst>
+          </p:cNvPr>
+          <p:cNvSpPr/>
+          <p:nvPr/>
+        </p:nvSpPr>
+        <p:spPr>
+          <a:xfrm>
+            <a:off x="117304" y="2661523"/>
+            <a:ext cx="228600" cy="220892"/>
+          </a:xfrm>
+          <a:prstGeom prst="ellipse">
+            <a:avLst/>
+          </a:prstGeom>
+        </p:spPr>
+        <p:style>
+          <a:lnRef idx="2">
+            <a:schemeClr val="accent1">
+              <a:shade val="50000"/>
+            </a:schemeClr>
+          </a:lnRef>
+          <a:fillRef idx="1">
+            <a:schemeClr val="accent1"/>
+          </a:fillRef>
+          <a:effectRef idx="0">
+            <a:schemeClr val="accent1"/>
+          </a:effectRef>
+          <a:fontRef idx="minor">
+            <a:schemeClr val="lt1"/>
+          </a:fontRef>
+        </p:style>
+        <p:txBody>
+          <a:bodyPr rtlCol="0" anchor="ctr"/>
+          <a:lstStyle/>
+          <a:p>
+            <a:pPr algn="ctr"/>
+            <a:r>
+              <a:rPr lang="en-US" dirty="0"/>
+              <a:t>e</a:t>
+            </a:r>
+          </a:p>
+        </p:txBody>
+      </p:sp>
+      <p:cxnSp>
+        <p:nvCxnSpPr>
+          <p:cNvPr id="16" name="Straight Arrow Connector 15">
+            <a:extLst>
+              <a:ext uri="{FF2B5EF4-FFF2-40B4-BE49-F238E27FC236}">
+                <a16:creationId xmlns:a16="http://schemas.microsoft.com/office/drawing/2014/main" id="{4D7F1C56-FB42-CC45-AB85-AE437672F3A0}"/>
+              </a:ext>
+            </a:extLst>
+          </p:cNvPr>
+          <p:cNvCxnSpPr>
+            <a:cxnSpLocks/>
+          </p:cNvCxnSpPr>
+          <p:nvPr/>
+        </p:nvCxnSpPr>
+        <p:spPr>
+          <a:xfrm flipH="1">
+            <a:off x="262426" y="2468327"/>
+            <a:ext cx="122610" cy="193196"/>
+          </a:xfrm>
+          <a:prstGeom prst="straightConnector1">
+            <a:avLst/>
+          </a:prstGeom>
+          <a:ln>
+            <a:tailEnd type="triangle"/>
+          </a:ln>
+        </p:spPr>
+        <p:style>
+          <a:lnRef idx="1">
+            <a:schemeClr val="accent1"/>
+          </a:lnRef>
+          <a:fillRef idx="0">
+            <a:schemeClr val="accent1"/>
+          </a:fillRef>
+          <a:effectRef idx="0">
+            <a:schemeClr val="accent1"/>
+          </a:effectRef>
+          <a:fontRef idx="minor">
+            <a:schemeClr val="tx1"/>
+          </a:fontRef>
+        </p:style>
+      </p:cxnSp>
+      <p:cxnSp>
+        <p:nvCxnSpPr>
+          <p:cNvPr id="19" name="Straight Arrow Connector 18">
+            <a:extLst>
+              <a:ext uri="{FF2B5EF4-FFF2-40B4-BE49-F238E27FC236}">
+                <a16:creationId xmlns:a16="http://schemas.microsoft.com/office/drawing/2014/main" id="{F8DF2D5C-795E-8043-97E1-176EA9DF5589}"/>
+              </a:ext>
+            </a:extLst>
+          </p:cNvPr>
+          <p:cNvCxnSpPr>
+            <a:cxnSpLocks/>
+            <a:stCxn id="6" idx="3"/>
+            <a:endCxn id="13" idx="7"/>
+          </p:cNvCxnSpPr>
+          <p:nvPr/>
+        </p:nvCxnSpPr>
+        <p:spPr>
+          <a:xfrm flipH="1">
+            <a:off x="499111" y="2073187"/>
+            <a:ext cx="153091" cy="197668"/>
+          </a:xfrm>
+          <a:prstGeom prst="straightConnector1">
+            <a:avLst/>
+          </a:prstGeom>
+          <a:ln>
+            <a:tailEnd type="triangle"/>
+          </a:ln>
+        </p:spPr>
+        <p:style>
+          <a:lnRef idx="1">
+            <a:schemeClr val="accent1"/>
+          </a:lnRef>
+          <a:fillRef idx="0">
+            <a:schemeClr val="accent1"/>
+          </a:fillRef>
+          <a:effectRef idx="0">
+            <a:schemeClr val="accent1"/>
+          </a:effectRef>
+          <a:fontRef idx="minor">
+            <a:schemeClr val="tx1"/>
+          </a:fontRef>
+        </p:style>
+      </p:cxnSp>
+      <p:cxnSp>
+        <p:nvCxnSpPr>
+          <p:cNvPr id="23" name="Straight Arrow Connector 22">
+            <a:extLst>
+              <a:ext uri="{FF2B5EF4-FFF2-40B4-BE49-F238E27FC236}">
+                <a16:creationId xmlns:a16="http://schemas.microsoft.com/office/drawing/2014/main" id="{81D06AAC-4BDA-7049-AE35-3210DC08EE09}"/>
+              </a:ext>
+            </a:extLst>
+          </p:cNvPr>
+          <p:cNvCxnSpPr>
+            <a:cxnSpLocks/>
+            <a:stCxn id="5" idx="4"/>
+            <a:endCxn id="7" idx="0"/>
+          </p:cNvCxnSpPr>
+          <p:nvPr/>
+        </p:nvCxnSpPr>
+        <p:spPr>
+          <a:xfrm flipH="1">
+            <a:off x="1215734" y="2105536"/>
+            <a:ext cx="114300" cy="419983"/>
+          </a:xfrm>
+          <a:prstGeom prst="straightConnector1">
+            <a:avLst/>
+          </a:prstGeom>
+          <a:ln>
+            <a:tailEnd type="triangle"/>
+          </a:ln>
+        </p:spPr>
+        <p:style>
+          <a:lnRef idx="1">
+            <a:schemeClr val="accent1"/>
+          </a:lnRef>
+          <a:fillRef idx="0">
+            <a:schemeClr val="accent1"/>
+          </a:fillRef>
+          <a:effectRef idx="0">
+            <a:schemeClr val="accent1"/>
+          </a:effectRef>
+          <a:fontRef idx="minor">
+            <a:schemeClr val="tx1"/>
+          </a:fontRef>
+        </p:style>
+      </p:cxnSp>
+      <p:cxnSp>
+        <p:nvCxnSpPr>
+          <p:cNvPr id="25" name="Straight Arrow Connector 24">
+            <a:extLst>
+              <a:ext uri="{FF2B5EF4-FFF2-40B4-BE49-F238E27FC236}">
+                <a16:creationId xmlns:a16="http://schemas.microsoft.com/office/drawing/2014/main" id="{0BB2F5EB-A9FA-3A41-8826-54AC917E1C44}"/>
+              </a:ext>
+            </a:extLst>
+          </p:cNvPr>
+          <p:cNvCxnSpPr>
+            <a:cxnSpLocks/>
+            <a:endCxn id="10" idx="0"/>
+          </p:cNvCxnSpPr>
+          <p:nvPr/>
+        </p:nvCxnSpPr>
+        <p:spPr>
+          <a:xfrm flipH="1">
+            <a:off x="1955492" y="2105271"/>
+            <a:ext cx="55140" cy="381554"/>
+          </a:xfrm>
+          <a:prstGeom prst="straightConnector1">
+            <a:avLst/>
+          </a:prstGeom>
+          <a:ln>
+            <a:tailEnd type="triangle"/>
+          </a:ln>
+        </p:spPr>
+        <p:style>
+          <a:lnRef idx="1">
+            <a:schemeClr val="accent1"/>
+          </a:lnRef>
+          <a:fillRef idx="0">
+            <a:schemeClr val="accent1"/>
+          </a:fillRef>
+          <a:effectRef idx="0">
+            <a:schemeClr val="accent1"/>
+          </a:effectRef>
+          <a:fontRef idx="minor">
+            <a:schemeClr val="tx1"/>
+          </a:fontRef>
+        </p:style>
+      </p:cxnSp>
+      <p:pic>
+        <p:nvPicPr>
+          <p:cNvPr id="20" name="Picture 19" descr="A picture containing indoor, table, sitting, clock&#10;&#10;Description automatically generated">
+            <a:extLst>
+              <a:ext uri="{FF2B5EF4-FFF2-40B4-BE49-F238E27FC236}">
+                <a16:creationId xmlns:a16="http://schemas.microsoft.com/office/drawing/2014/main" id="{62D3B871-B3EA-474F-88F5-8049581C8383}"/>
+              </a:ext>
+            </a:extLst>
+          </p:cNvPr>
+          <p:cNvPicPr>
+            <a:picLocks noChangeAspect="1"/>
+          </p:cNvPicPr>
+          <p:nvPr/>
+        </p:nvPicPr>
+        <p:blipFill>
+          <a:blip r:embed="rId3">
+            <a:extLst>
+              <a:ext uri="{28A0092B-C50C-407E-A947-70E740481C1C}">
+                <a14:useLocalDpi xmlns:a14="http://schemas.microsoft.com/office/drawing/2010/main" val="0"/>
+              </a:ext>
+            </a:extLst>
+          </a:blip>
+          <a:stretch>
+            <a:fillRect/>
+          </a:stretch>
+        </p:blipFill>
+        <p:spPr>
+          <a:xfrm>
+            <a:off x="34912" y="935894"/>
+            <a:ext cx="2533650" cy="902314"/>
+          </a:xfrm>
+          <a:prstGeom prst="rect">
+            <a:avLst/>
+          </a:prstGeom>
+        </p:spPr>
+      </p:pic>
+      <p:sp>
+        <p:nvSpPr>
+          <p:cNvPr id="22" name="TextBox 21">
+            <a:extLst>
+              <a:ext uri="{FF2B5EF4-FFF2-40B4-BE49-F238E27FC236}">
+                <a16:creationId xmlns:a16="http://schemas.microsoft.com/office/drawing/2014/main" id="{73E8B119-A84E-7645-A780-B62B9461CDD7}"/>
+              </a:ext>
+            </a:extLst>
+          </p:cNvPr>
+          <p:cNvSpPr txBox="1"/>
+          <p:nvPr/>
+        </p:nvSpPr>
+        <p:spPr>
+          <a:xfrm>
+            <a:off x="1963855" y="2620209"/>
+            <a:ext cx="330540" cy="369332"/>
+          </a:xfrm>
+          <a:prstGeom prst="rect">
+            <a:avLst/>
+          </a:prstGeom>
+          <a:noFill/>
+        </p:spPr>
+        <p:txBody>
+          <a:bodyPr wrap="none" rtlCol="0">
+            <a:spAutoFit/>
+          </a:bodyPr>
+          <a:lstStyle/>
+          <a:p>
+            <a:r>
+              <a:rPr lang="en-US" dirty="0"/>
+              <a:t>G</a:t>
+            </a:r>
+          </a:p>
+        </p:txBody>
+      </p:sp>
+      <p:pic>
+        <p:nvPicPr>
+          <p:cNvPr id="24" name="Picture 23" descr="A close up of a device&#10;&#10;Description automatically generated">
+            <a:extLst>
+              <a:ext uri="{FF2B5EF4-FFF2-40B4-BE49-F238E27FC236}">
+                <a16:creationId xmlns:a16="http://schemas.microsoft.com/office/drawing/2014/main" id="{5C165CA1-2D7B-D842-9E2D-C49780D16DC9}"/>
+              </a:ext>
+            </a:extLst>
+          </p:cNvPr>
+          <p:cNvPicPr>
+            <a:picLocks noChangeAspect="1"/>
+          </p:cNvPicPr>
+          <p:nvPr/>
+        </p:nvPicPr>
+        <p:blipFill>
+          <a:blip r:embed="rId4">
+            <a:extLst>
+              <a:ext uri="{28A0092B-C50C-407E-A947-70E740481C1C}">
+                <a14:useLocalDpi xmlns:a14="http://schemas.microsoft.com/office/drawing/2010/main" val="0"/>
+              </a:ext>
+            </a:extLst>
+          </a:blip>
+          <a:stretch>
+            <a:fillRect/>
+          </a:stretch>
+        </p:blipFill>
+        <p:spPr>
+          <a:xfrm>
+            <a:off x="2767157" y="1115429"/>
+            <a:ext cx="1498600" cy="543243"/>
+          </a:xfrm>
+          <a:prstGeom prst="rect">
+            <a:avLst/>
+          </a:prstGeom>
+        </p:spPr>
+      </p:pic>
+      <p:sp>
+        <p:nvSpPr>
+          <p:cNvPr id="38" name="Oval 37">
+            <a:extLst>
+              <a:ext uri="{FF2B5EF4-FFF2-40B4-BE49-F238E27FC236}">
+                <a16:creationId xmlns:a16="http://schemas.microsoft.com/office/drawing/2014/main" id="{F477C1AD-022C-6F44-87A4-53A8AAF41910}"/>
+              </a:ext>
+            </a:extLst>
+          </p:cNvPr>
+          <p:cNvSpPr/>
+          <p:nvPr/>
+        </p:nvSpPr>
+        <p:spPr>
+          <a:xfrm>
+            <a:off x="3122757" y="2606770"/>
+            <a:ext cx="152400" cy="135968"/>
+          </a:xfrm>
+          <a:prstGeom prst="ellipse">
+            <a:avLst/>
+          </a:prstGeom>
+          <a:noFill/>
+          <a:ln w="6350">
+            <a:solidFill>
+              <a:srgbClr val="FF0000"/>
+            </a:solidFill>
+          </a:ln>
+        </p:spPr>
+        <p:style>
+          <a:lnRef idx="2">
+            <a:schemeClr val="accent1">
+              <a:shade val="50000"/>
+            </a:schemeClr>
+          </a:lnRef>
+          <a:fillRef idx="1">
+            <a:schemeClr val="accent1"/>
+          </a:fillRef>
+          <a:effectRef idx="0">
+            <a:schemeClr val="accent1"/>
+          </a:effectRef>
+          <a:fontRef idx="minor">
+            <a:schemeClr val="lt1"/>
+          </a:fontRef>
+        </p:style>
+        <p:txBody>
+          <a:bodyPr rtlCol="0" anchor="ctr"/>
+          <a:lstStyle/>
+          <a:p>
+            <a:pPr algn="ctr"/>
+            <a:endParaRPr lang="en-US"/>
+          </a:p>
+        </p:txBody>
+      </p:sp>
+      <p:sp>
+        <p:nvSpPr>
+          <p:cNvPr id="39" name="Oval 38">
+            <a:extLst>
+              <a:ext uri="{FF2B5EF4-FFF2-40B4-BE49-F238E27FC236}">
+                <a16:creationId xmlns:a16="http://schemas.microsoft.com/office/drawing/2014/main" id="{4F62F58E-E0BF-4A4D-8DFC-87A4CA029A94}"/>
+              </a:ext>
+            </a:extLst>
+          </p:cNvPr>
+          <p:cNvSpPr/>
+          <p:nvPr/>
+        </p:nvSpPr>
+        <p:spPr>
+          <a:xfrm>
+            <a:off x="3645452" y="2606770"/>
+            <a:ext cx="152400" cy="135968"/>
+          </a:xfrm>
+          <a:prstGeom prst="ellipse">
+            <a:avLst/>
+          </a:prstGeom>
+          <a:noFill/>
+          <a:ln w="6350">
+            <a:solidFill>
+              <a:srgbClr val="FF0000"/>
+            </a:solidFill>
+          </a:ln>
+        </p:spPr>
+        <p:style>
+          <a:lnRef idx="2">
+            <a:schemeClr val="accent1">
+              <a:shade val="50000"/>
+            </a:schemeClr>
+          </a:lnRef>
+          <a:fillRef idx="1">
+            <a:schemeClr val="accent1"/>
+          </a:fillRef>
+          <a:effectRef idx="0">
+            <a:schemeClr val="accent1"/>
+          </a:effectRef>
+          <a:fontRef idx="minor">
+            <a:schemeClr val="lt1"/>
+          </a:fontRef>
+        </p:style>
+        <p:txBody>
+          <a:bodyPr rtlCol="0" anchor="ctr"/>
+          <a:lstStyle/>
+          <a:p>
+            <a:pPr algn="ctr"/>
+            <a:endParaRPr lang="en-US"/>
+          </a:p>
+        </p:txBody>
+      </p:sp>
+      <p:sp>
+        <p:nvSpPr>
+          <p:cNvPr id="40" name="Oval 39">
+            <a:extLst>
+              <a:ext uri="{FF2B5EF4-FFF2-40B4-BE49-F238E27FC236}">
+                <a16:creationId xmlns:a16="http://schemas.microsoft.com/office/drawing/2014/main" id="{876B2330-9439-BF4A-AD70-946C7718A16A}"/>
+              </a:ext>
+            </a:extLst>
+          </p:cNvPr>
+          <p:cNvSpPr/>
+          <p:nvPr/>
+        </p:nvSpPr>
+        <p:spPr>
+          <a:xfrm>
+            <a:off x="3645452" y="3009917"/>
+            <a:ext cx="152400" cy="135968"/>
+          </a:xfrm>
+          <a:prstGeom prst="ellipse">
+            <a:avLst/>
+          </a:prstGeom>
+          <a:noFill/>
+          <a:ln w="6350">
+            <a:solidFill>
+              <a:srgbClr val="FF0000"/>
+            </a:solidFill>
+          </a:ln>
+        </p:spPr>
+        <p:style>
+          <a:lnRef idx="2">
+            <a:schemeClr val="accent1">
+              <a:shade val="50000"/>
+            </a:schemeClr>
+          </a:lnRef>
+          <a:fillRef idx="1">
+            <a:schemeClr val="accent1"/>
+          </a:fillRef>
+          <a:effectRef idx="0">
+            <a:schemeClr val="accent1"/>
+          </a:effectRef>
+          <a:fontRef idx="minor">
+            <a:schemeClr val="lt1"/>
+          </a:fontRef>
+        </p:style>
+        <p:txBody>
+          <a:bodyPr rtlCol="0" anchor="ctr"/>
+          <a:lstStyle/>
+          <a:p>
+            <a:pPr algn="ctr"/>
+            <a:endParaRPr lang="en-US"/>
+          </a:p>
+        </p:txBody>
+      </p:sp>
+      <p:sp>
+        <p:nvSpPr>
+          <p:cNvPr id="41" name="Oval 40">
+            <a:extLst>
+              <a:ext uri="{FF2B5EF4-FFF2-40B4-BE49-F238E27FC236}">
+                <a16:creationId xmlns:a16="http://schemas.microsoft.com/office/drawing/2014/main" id="{A4CC848E-2064-8643-8D03-7ADD8B40783D}"/>
+              </a:ext>
+            </a:extLst>
+          </p:cNvPr>
+          <p:cNvSpPr/>
+          <p:nvPr/>
+        </p:nvSpPr>
+        <p:spPr>
+          <a:xfrm>
+            <a:off x="4189557" y="3014869"/>
+            <a:ext cx="152400" cy="135968"/>
+          </a:xfrm>
+          <a:prstGeom prst="ellipse">
+            <a:avLst/>
+          </a:prstGeom>
+          <a:noFill/>
+          <a:ln w="6350">
+            <a:solidFill>
+              <a:srgbClr val="FF0000"/>
+            </a:solidFill>
+          </a:ln>
+        </p:spPr>
+        <p:style>
+          <a:lnRef idx="2">
+            <a:schemeClr val="accent1">
+              <a:shade val="50000"/>
+            </a:schemeClr>
+          </a:lnRef>
+          <a:fillRef idx="1">
+            <a:schemeClr val="accent1"/>
+          </a:fillRef>
+          <a:effectRef idx="0">
+            <a:schemeClr val="accent1"/>
+          </a:effectRef>
+          <a:fontRef idx="minor">
+            <a:schemeClr val="lt1"/>
+          </a:fontRef>
+        </p:style>
+        <p:txBody>
+          <a:bodyPr rtlCol="0" anchor="ctr"/>
+          <a:lstStyle/>
+          <a:p>
+            <a:pPr algn="ctr"/>
+            <a:endParaRPr lang="en-US"/>
+          </a:p>
+        </p:txBody>
+      </p:sp>
+    </p:spTree>
+    <p:extLst>
+      <p:ext uri="{BB962C8B-B14F-4D97-AF65-F5344CB8AC3E}">
+        <p14:creationId xmlns:p14="http://schemas.microsoft.com/office/powerpoint/2010/main" val="2779043707"/>
+      </p:ext>
+    </p:extLst>
+  </p:cSld>
+  <p:clrMapOvr>
+    <a:masterClrMapping/>
+  </p:clrMapOvr>
+</p:sld>
+</file>
+
+<file path=ppt/slides/slide26.xml><?xml version="1.0" encoding="utf-8"?>
 <p:sld xmlns:a="http://schemas.openxmlformats.org/drawingml/2006/main" xmlns:r="http://schemas.openxmlformats.org/officeDocument/2006/relationships" xmlns:p="http://schemas.openxmlformats.org/presentationml/2006/main" showMasterSp="0">
   <p:cSld>
     <p:spTree>
@@ -9568,7 +11971,7 @@
             </a:pPr>
             <a:fld id="{81D60167-4931-47E6-BA6A-407CBD079E47}" type="slidenum">
               <a:rPr spc="-40" dirty="0"/>
-              <a:t>22</a:t>
+              <a:t>26</a:t>
             </a:fld>
             <a:endParaRPr spc="-40" dirty="0"/>
           </a:p>
@@ -9615,102 +12018,201 @@
           </a:p>
         </p:txBody>
       </p:sp>
-      <p:sp>
-        <p:nvSpPr>
-          <p:cNvPr id="3" name="object 3"/>
-          <p:cNvSpPr txBox="1"/>
-          <p:nvPr/>
-        </p:nvSpPr>
-        <p:spPr>
-          <a:xfrm>
-            <a:off x="347344" y="907158"/>
-            <a:ext cx="4015105" cy="1610055"/>
-          </a:xfrm>
-          <a:prstGeom prst="rect">
-            <a:avLst/>
-          </a:prstGeom>
-        </p:spPr>
-        <p:txBody>
-          <a:bodyPr vert="horz" wrap="square" lIns="0" tIns="55244" rIns="0" bIns="0" rtlCol="0">
-            <a:spAutoFit/>
-          </a:bodyPr>
-          <a:lstStyle/>
-          <a:p>
-            <a:r>
-              <a:rPr lang="en-US" dirty="0"/>
-              <a:t>An </a:t>
-            </a:r>
-            <a:r>
-              <a:rPr lang="en-US" b="1" i="1" dirty="0"/>
-              <a:t>Euler tour </a:t>
-            </a:r>
-            <a:r>
-              <a:rPr lang="en-US" dirty="0"/>
-              <a:t>of a strongly connected, directed graph </a:t>
-            </a:r>
-            <a:r>
-              <a:rPr lang="en-US" i="1" dirty="0">
-                <a:latin typeface="Times New Roman" panose="02020603050405020304" pitchFamily="18" charset="0"/>
-                <a:cs typeface="Times New Roman" panose="02020603050405020304" pitchFamily="18" charset="0"/>
-              </a:rPr>
-              <a:t>G </a:t>
-            </a:r>
-            <a:r>
-              <a:rPr lang="en-US" altLang="ko-KR" i="1" dirty="0">
-                <a:latin typeface="Times New Roman" panose="02020603050405020304" pitchFamily="18" charset="0"/>
-                <a:cs typeface="Times New Roman" panose="02020603050405020304" pitchFamily="18" charset="0"/>
-              </a:rPr>
-              <a:t>=(</a:t>
-            </a:r>
-            <a:r>
-              <a:rPr lang="en-US" i="1" dirty="0">
-                <a:latin typeface="Times New Roman" panose="02020603050405020304" pitchFamily="18" charset="0"/>
-                <a:cs typeface="Times New Roman" panose="02020603050405020304" pitchFamily="18" charset="0"/>
-              </a:rPr>
-              <a:t>V</a:t>
-            </a:r>
-            <a:r>
-              <a:rPr lang="en-US" altLang="ko-KR" i="1" dirty="0">
-                <a:latin typeface="Times New Roman" panose="02020603050405020304" pitchFamily="18" charset="0"/>
-                <a:cs typeface="Times New Roman" panose="02020603050405020304" pitchFamily="18" charset="0"/>
-              </a:rPr>
-              <a:t>,</a:t>
-            </a:r>
-            <a:r>
-              <a:rPr lang="en-US" i="1" dirty="0">
-                <a:latin typeface="Times New Roman" panose="02020603050405020304" pitchFamily="18" charset="0"/>
-                <a:cs typeface="Times New Roman" panose="02020603050405020304" pitchFamily="18" charset="0"/>
-              </a:rPr>
-              <a:t>E</a:t>
-            </a:r>
-            <a:r>
-              <a:rPr lang="en-US" altLang="ko-KR" i="1" dirty="0">
-                <a:latin typeface="Times New Roman" panose="02020603050405020304" pitchFamily="18" charset="0"/>
-                <a:cs typeface="Times New Roman" panose="02020603050405020304" pitchFamily="18" charset="0"/>
-              </a:rPr>
-              <a:t>)</a:t>
-            </a:r>
-            <a:r>
-              <a:rPr lang="en-US" i="1" dirty="0">
-                <a:latin typeface="Times New Roman" panose="02020603050405020304" pitchFamily="18" charset="0"/>
-                <a:cs typeface="Times New Roman" panose="02020603050405020304" pitchFamily="18" charset="0"/>
-              </a:rPr>
-              <a:t> </a:t>
-            </a:r>
-            <a:r>
-              <a:rPr lang="en-US" dirty="0"/>
-              <a:t>is a cycle that traverses each edge of G exactly once, although it may visit a vertex more than once. </a:t>
-            </a:r>
-            <a:endParaRPr lang="en-US" sz="1100" dirty="0"/>
-          </a:p>
-          <a:p>
-            <a:endParaRPr lang="en-US" sz="1100" i="1" dirty="0">
-              <a:latin typeface="Times New Roman" panose="02020603050405020304" pitchFamily="18" charset="0"/>
-              <a:cs typeface="Times New Roman" panose="02020603050405020304" pitchFamily="18" charset="0"/>
-            </a:endParaRPr>
-          </a:p>
-        </p:txBody>
-      </p:sp>
+      <mc:AlternateContent xmlns:mc="http://schemas.openxmlformats.org/markup-compatibility/2006" xmlns:a14="http://schemas.microsoft.com/office/drawing/2010/main">
+        <mc:Choice Requires="a14">
+          <p:sp>
+            <p:nvSpPr>
+              <p:cNvPr id="3" name="object 3"/>
+              <p:cNvSpPr txBox="1"/>
+              <p:nvPr/>
+            </p:nvSpPr>
+            <p:spPr>
+              <a:xfrm>
+                <a:off x="335597" y="681144"/>
+                <a:ext cx="4015105" cy="2779606"/>
+              </a:xfrm>
+              <a:prstGeom prst="rect">
+                <a:avLst/>
+              </a:prstGeom>
+            </p:spPr>
+            <p:txBody>
+              <a:bodyPr vert="horz" wrap="square" lIns="0" tIns="55244" rIns="0" bIns="0" rtlCol="0">
+                <a:spAutoFit/>
+              </a:bodyPr>
+              <a:lstStyle/>
+              <a:p>
+                <a:r>
+                  <a:rPr lang="en-US" dirty="0"/>
+                  <a:t>An </a:t>
+                </a:r>
+                <a:r>
+                  <a:rPr lang="en-US" b="1" i="1" dirty="0"/>
+                  <a:t>Euler tour </a:t>
+                </a:r>
+                <a:r>
+                  <a:rPr lang="en-US" dirty="0"/>
+                  <a:t>of a strongly connected, directed graph </a:t>
+                </a:r>
+                <a:r>
+                  <a:rPr lang="en-US" i="1" dirty="0">
+                    <a:latin typeface="Times New Roman" panose="02020603050405020304" pitchFamily="18" charset="0"/>
+                    <a:cs typeface="Times New Roman" panose="02020603050405020304" pitchFamily="18" charset="0"/>
+                  </a:rPr>
+                  <a:t>G </a:t>
+                </a:r>
+                <a:r>
+                  <a:rPr lang="en-US" altLang="ko-KR" i="1" dirty="0">
+                    <a:latin typeface="Times New Roman" panose="02020603050405020304" pitchFamily="18" charset="0"/>
+                    <a:cs typeface="Times New Roman" panose="02020603050405020304" pitchFamily="18" charset="0"/>
+                  </a:rPr>
+                  <a:t>=(</a:t>
+                </a:r>
+                <a:r>
+                  <a:rPr lang="en-US" i="1" dirty="0">
+                    <a:latin typeface="Times New Roman" panose="02020603050405020304" pitchFamily="18" charset="0"/>
+                    <a:cs typeface="Times New Roman" panose="02020603050405020304" pitchFamily="18" charset="0"/>
+                  </a:rPr>
+                  <a:t>V</a:t>
+                </a:r>
+                <a:r>
+                  <a:rPr lang="en-US" altLang="ko-KR" i="1" dirty="0">
+                    <a:latin typeface="Times New Roman" panose="02020603050405020304" pitchFamily="18" charset="0"/>
+                    <a:cs typeface="Times New Roman" panose="02020603050405020304" pitchFamily="18" charset="0"/>
+                  </a:rPr>
+                  <a:t>,</a:t>
+                </a:r>
+                <a:r>
+                  <a:rPr lang="en-US" i="1" dirty="0">
+                    <a:latin typeface="Times New Roman" panose="02020603050405020304" pitchFamily="18" charset="0"/>
+                    <a:cs typeface="Times New Roman" panose="02020603050405020304" pitchFamily="18" charset="0"/>
+                  </a:rPr>
+                  <a:t>E</a:t>
+                </a:r>
+                <a:r>
+                  <a:rPr lang="en-US" altLang="ko-KR" i="1" dirty="0">
+                    <a:latin typeface="Times New Roman" panose="02020603050405020304" pitchFamily="18" charset="0"/>
+                    <a:cs typeface="Times New Roman" panose="02020603050405020304" pitchFamily="18" charset="0"/>
+                  </a:rPr>
+                  <a:t>)</a:t>
+                </a:r>
+                <a:r>
+                  <a:rPr lang="en-US" i="1" dirty="0">
+                    <a:latin typeface="Times New Roman" panose="02020603050405020304" pitchFamily="18" charset="0"/>
+                    <a:cs typeface="Times New Roman" panose="02020603050405020304" pitchFamily="18" charset="0"/>
+                  </a:rPr>
+                  <a:t> </a:t>
+                </a:r>
+                <a:r>
+                  <a:rPr lang="en-US" dirty="0"/>
+                  <a:t>is a cycle that traverses each edge of G exactly once, although it may visit a vertex more than once. </a:t>
+                </a:r>
+              </a:p>
+              <a:p>
+                <a:r>
+                  <a:rPr lang="en-US" dirty="0"/>
+                  <a:t>- G has an Euler tour </a:t>
+                </a:r>
+                <a:r>
+                  <a:rPr lang="en-US" dirty="0" err="1"/>
+                  <a:t>iff</a:t>
+                </a:r>
+                <a:r>
+                  <a:rPr lang="en-US" dirty="0"/>
+                  <a:t> in-degree(v) = out-degree(v) for all </a:t>
+                </a:r>
+                <a14:m>
+                  <m:oMath xmlns:m="http://schemas.openxmlformats.org/officeDocument/2006/math">
+                    <m:r>
+                      <a:rPr lang="en-US" b="0" i="1" smtClean="0">
+                        <a:latin typeface="Cambria Math" panose="02040503050406030204" pitchFamily="18" charset="0"/>
+                      </a:rPr>
+                      <m:t>𝑣</m:t>
+                    </m:r>
+                    <m:r>
+                      <a:rPr lang="en-US" b="0" i="1" smtClean="0">
+                        <a:latin typeface="Cambria Math" panose="02040503050406030204" pitchFamily="18" charset="0"/>
+                        <a:ea typeface="Cambria Math" panose="02040503050406030204" pitchFamily="18" charset="0"/>
+                      </a:rPr>
+                      <m:t>∈</m:t>
+                    </m:r>
+                    <m:r>
+                      <a:rPr lang="en-US" b="0" i="1" smtClean="0">
+                        <a:latin typeface="Cambria Math" panose="02040503050406030204" pitchFamily="18" charset="0"/>
+                        <a:ea typeface="Cambria Math" panose="02040503050406030204" pitchFamily="18" charset="0"/>
+                      </a:rPr>
+                      <m:t>𝑉</m:t>
+                    </m:r>
+                  </m:oMath>
+                </a14:m>
+                <a:endParaRPr lang="en-US" dirty="0"/>
+              </a:p>
+              <a:p>
+                <a:r>
+                  <a:rPr lang="en-US" dirty="0"/>
+                  <a:t>- The Euler tour algorithm runs in </a:t>
+                </a:r>
+                <a:r>
+                  <a:rPr lang="en-US" i="1" dirty="0">
+                    <a:latin typeface="Times New Roman" panose="02020603050405020304" pitchFamily="18" charset="0"/>
+                    <a:cs typeface="Times New Roman" panose="02020603050405020304" pitchFamily="18" charset="0"/>
+                  </a:rPr>
+                  <a:t>O(E).</a:t>
+                </a:r>
+              </a:p>
+              <a:p>
+                <a:endParaRPr lang="en-US" sz="1100" dirty="0"/>
+              </a:p>
+              <a:p>
+                <a:endParaRPr lang="en-US" sz="1100" dirty="0"/>
+              </a:p>
+              <a:p>
+                <a:endParaRPr lang="en-US" sz="1100" i="1" dirty="0">
+                  <a:latin typeface="Times New Roman" panose="02020603050405020304" pitchFamily="18" charset="0"/>
+                  <a:cs typeface="Times New Roman" panose="02020603050405020304" pitchFamily="18" charset="0"/>
+                </a:endParaRPr>
+              </a:p>
+            </p:txBody>
+          </p:sp>
+        </mc:Choice>
+        <mc:Fallback xmlns="">
+          <p:sp>
+            <p:nvSpPr>
+              <p:cNvPr id="3" name="object 3"/>
+              <p:cNvSpPr txBox="1">
+                <a:spLocks noRot="1" noChangeAspect="1" noMove="1" noResize="1" noEditPoints="1" noAdjustHandles="1" noChangeArrowheads="1" noChangeShapeType="1" noTextEdit="1"/>
+              </p:cNvSpPr>
+              <p:nvPr/>
+            </p:nvSpPr>
+            <p:spPr>
+              <a:xfrm>
+                <a:off x="335597" y="681144"/>
+                <a:ext cx="4015105" cy="2779606"/>
+              </a:xfrm>
+              <a:prstGeom prst="rect">
+                <a:avLst/>
+              </a:prstGeom>
+              <a:blipFill>
+                <a:blip r:embed="rId2"/>
+                <a:stretch>
+                  <a:fillRect l="-3145" t="-455" r="-943"/>
+                </a:stretch>
+              </a:blipFill>
+            </p:spPr>
+            <p:txBody>
+              <a:bodyPr/>
+              <a:lstStyle/>
+              <a:p>
+                <a:r>
+                  <a:rPr lang="en-US">
+                    <a:noFill/>
+                  </a:rPr>
+                  <a:t> </a:t>
+                </a:r>
+              </a:p>
+            </p:txBody>
+          </p:sp>
+        </mc:Fallback>
+      </mc:AlternateContent>
     </p:spTree>
     <p:extLst>
       <p:ext uri="{BB962C8B-B14F-4D97-AF65-F5344CB8AC3E}">
